--- a/weekly_report/group1/第一组第二周-仿生机器人.pptx
+++ b/weekly_report/group1/第一组第二周-仿生机器人.pptx
@@ -5,25 +5,26 @@
     <p:sldMasterId id="2147483648" r:id="rId1"/>
   </p:sldMasterIdLst>
   <p:sldIdLst>
-    <p:sldId id="256" r:id="rId3"/>
-    <p:sldId id="257" r:id="rId4"/>
-    <p:sldId id="261" r:id="rId5"/>
-    <p:sldId id="258" r:id="rId6"/>
-    <p:sldId id="259" r:id="rId7"/>
-    <p:sldId id="260" r:id="rId8"/>
-    <p:sldId id="264" r:id="rId9"/>
-    <p:sldId id="262" r:id="rId10"/>
-    <p:sldId id="266" r:id="rId11"/>
-    <p:sldId id="267" r:id="rId12"/>
-    <p:sldId id="265" r:id="rId13"/>
-    <p:sldId id="269" r:id="rId14"/>
-    <p:sldId id="268" r:id="rId15"/>
-    <p:sldId id="270" r:id="rId16"/>
-    <p:sldId id="271" r:id="rId17"/>
+    <p:sldId id="256" r:id="rId2"/>
+    <p:sldId id="257" r:id="rId3"/>
+    <p:sldId id="261" r:id="rId4"/>
+    <p:sldId id="273" r:id="rId5"/>
+    <p:sldId id="259" r:id="rId6"/>
+    <p:sldId id="260" r:id="rId7"/>
+    <p:sldId id="264" r:id="rId8"/>
+    <p:sldId id="262" r:id="rId9"/>
+    <p:sldId id="266" r:id="rId10"/>
+    <p:sldId id="267" r:id="rId11"/>
+    <p:sldId id="265" r:id="rId12"/>
+    <p:sldId id="269" r:id="rId13"/>
+    <p:sldId id="268" r:id="rId14"/>
+    <p:sldId id="270" r:id="rId15"/>
+    <p:sldId id="271" r:id="rId16"/>
+    <p:sldId id="274" r:id="rId17"/>
     <p:sldId id="272" r:id="rId18"/>
   </p:sldIdLst>
   <p:sldSz cx="12192000" cy="6858000"/>
-  <p:notesSz cx="7103745" cy="10234295"/>
+  <p:notesSz cx="7104063" cy="10234613"/>
   <p:defaultTextStyle>
     <a:defPPr>
       <a:defRPr lang="zh-CN"/>
@@ -119,6 +120,11 @@
       </a:defRPr>
     </a:lvl9pPr>
   </p:defaultTextStyle>
+  <p:extLst>
+    <p:ext uri="{EFAFB233-063F-42B5-8137-9DF3F51BA10A}">
+      <p15:sldGuideLst xmlns:p15="http://schemas.microsoft.com/office/powerpoint/2012/main"/>
+    </p:ext>
+  </p:extLst>
 </p:presentation>
 </file>
 
@@ -253,6 +259,7 @@
           <a:p>
             <a:fld id="{82F288E0-7875-42C4-84C8-98DBBD3BF4D2}" type="datetimeFigureOut">
               <a:rPr lang="zh-CN" altLang="en-US" smtClean="0"/>
+              <a:t>2017/10/13</a:t>
             </a:fld>
             <a:endParaRPr lang="zh-CN" altLang="en-US"/>
           </a:p>
@@ -294,6 +301,7 @@
           <a:p>
             <a:fld id="{7D9BB5D0-35E4-459D-AEF3-FE4D7C45CC19}" type="slidenum">
               <a:rPr lang="zh-CN" altLang="en-US" smtClean="0"/>
+              <a:t>‹#›</a:t>
             </a:fld>
             <a:endParaRPr lang="zh-CN" altLang="en-US"/>
           </a:p>
@@ -349,7 +357,6 @@
               <a:rPr lang="zh-CN" altLang="en-US" smtClean="0"/>
               <a:t>单击此处编辑母版文本样式</a:t>
             </a:r>
-            <a:endParaRPr lang="zh-CN" altLang="en-US" smtClean="0"/>
           </a:p>
           <a:p>
             <a:pPr lvl="1"/>
@@ -357,7 +364,6 @@
               <a:rPr lang="zh-CN" altLang="en-US" smtClean="0"/>
               <a:t>第二级</a:t>
             </a:r>
-            <a:endParaRPr lang="zh-CN" altLang="en-US" smtClean="0"/>
           </a:p>
           <a:p>
             <a:pPr lvl="2"/>
@@ -365,7 +371,6 @@
               <a:rPr lang="zh-CN" altLang="en-US" smtClean="0"/>
               <a:t>第三级</a:t>
             </a:r>
-            <a:endParaRPr lang="zh-CN" altLang="en-US" smtClean="0"/>
           </a:p>
           <a:p>
             <a:pPr lvl="3"/>
@@ -373,7 +378,6 @@
               <a:rPr lang="zh-CN" altLang="en-US" smtClean="0"/>
               <a:t>第四级</a:t>
             </a:r>
-            <a:endParaRPr lang="zh-CN" altLang="en-US" smtClean="0"/>
           </a:p>
           <a:p>
             <a:pPr lvl="4"/>
@@ -402,6 +406,7 @@
           <a:p>
             <a:fld id="{82F288E0-7875-42C4-84C8-98DBBD3BF4D2}" type="datetimeFigureOut">
               <a:rPr lang="zh-CN" altLang="en-US" smtClean="0"/>
+              <a:t>2017/10/13</a:t>
             </a:fld>
             <a:endParaRPr lang="zh-CN" altLang="en-US"/>
           </a:p>
@@ -443,6 +448,7 @@
           <a:p>
             <a:fld id="{7D9BB5D0-35E4-459D-AEF3-FE4D7C45CC19}" type="slidenum">
               <a:rPr lang="zh-CN" altLang="en-US" smtClean="0"/>
+              <a:t>‹#›</a:t>
             </a:fld>
             <a:endParaRPr lang="zh-CN" altLang="en-US"/>
           </a:p>
@@ -516,7 +522,6 @@
               <a:rPr lang="zh-CN" altLang="en-US" smtClean="0"/>
               <a:t>单击此处编辑母版文本样式</a:t>
             </a:r>
-            <a:endParaRPr lang="zh-CN" altLang="en-US" smtClean="0"/>
           </a:p>
           <a:p>
             <a:pPr lvl="1"/>
@@ -524,7 +529,6 @@
               <a:rPr lang="zh-CN" altLang="en-US" smtClean="0"/>
               <a:t>第二级</a:t>
             </a:r>
-            <a:endParaRPr lang="zh-CN" altLang="en-US" smtClean="0"/>
           </a:p>
           <a:p>
             <a:pPr lvl="2"/>
@@ -532,7 +536,6 @@
               <a:rPr lang="zh-CN" altLang="en-US" smtClean="0"/>
               <a:t>第三级</a:t>
             </a:r>
-            <a:endParaRPr lang="zh-CN" altLang="en-US" smtClean="0"/>
           </a:p>
           <a:p>
             <a:pPr lvl="3"/>
@@ -540,7 +543,6 @@
               <a:rPr lang="zh-CN" altLang="en-US" smtClean="0"/>
               <a:t>第四级</a:t>
             </a:r>
-            <a:endParaRPr lang="zh-CN" altLang="en-US" smtClean="0"/>
           </a:p>
           <a:p>
             <a:pPr lvl="4"/>
@@ -569,6 +571,7 @@
           <a:p>
             <a:fld id="{82F288E0-7875-42C4-84C8-98DBBD3BF4D2}" type="datetimeFigureOut">
               <a:rPr lang="zh-CN" altLang="en-US" smtClean="0"/>
+              <a:t>2017/10/13</a:t>
             </a:fld>
             <a:endParaRPr lang="zh-CN" altLang="en-US"/>
           </a:p>
@@ -610,6 +613,7 @@
           <a:p>
             <a:fld id="{7D9BB5D0-35E4-459D-AEF3-FE4D7C45CC19}" type="slidenum">
               <a:rPr lang="zh-CN" altLang="en-US" smtClean="0"/>
+              <a:t>‹#›</a:t>
             </a:fld>
             <a:endParaRPr lang="zh-CN" altLang="en-US"/>
           </a:p>
@@ -788,7 +792,6 @@
               <a:rPr lang="zh-CN" altLang="en-US" smtClean="0"/>
               <a:t>单击此处编辑母版文本样式</a:t>
             </a:r>
-            <a:endParaRPr lang="zh-CN" altLang="en-US" smtClean="0"/>
           </a:p>
         </p:txBody>
       </p:sp>
@@ -809,6 +812,7 @@
           <a:p>
             <a:fld id="{82F288E0-7875-42C4-84C8-98DBBD3BF4D2}" type="datetimeFigureOut">
               <a:rPr lang="zh-CN" altLang="en-US" smtClean="0"/>
+              <a:t>2017/10/13</a:t>
             </a:fld>
             <a:endParaRPr lang="zh-CN" altLang="en-US"/>
           </a:p>
@@ -850,6 +854,7 @@
           <a:p>
             <a:fld id="{7D9BB5D0-35E4-459D-AEF3-FE4D7C45CC19}" type="slidenum">
               <a:rPr lang="zh-CN" altLang="en-US" smtClean="0"/>
+              <a:t>‹#›</a:t>
             </a:fld>
             <a:endParaRPr lang="zh-CN" altLang="en-US"/>
           </a:p>
@@ -928,7 +933,6 @@
               <a:rPr lang="zh-CN" altLang="en-US" smtClean="0"/>
               <a:t>单击此处编辑母版文本样式</a:t>
             </a:r>
-            <a:endParaRPr lang="zh-CN" altLang="en-US" smtClean="0"/>
           </a:p>
           <a:p>
             <a:pPr lvl="1"/>
@@ -936,7 +940,6 @@
               <a:rPr lang="zh-CN" altLang="en-US" smtClean="0"/>
               <a:t>第二级</a:t>
             </a:r>
-            <a:endParaRPr lang="zh-CN" altLang="en-US" smtClean="0"/>
           </a:p>
           <a:p>
             <a:pPr lvl="2"/>
@@ -944,7 +947,6 @@
               <a:rPr lang="zh-CN" altLang="en-US" smtClean="0"/>
               <a:t>第三级</a:t>
             </a:r>
-            <a:endParaRPr lang="zh-CN" altLang="en-US" smtClean="0"/>
           </a:p>
           <a:p>
             <a:pPr lvl="3"/>
@@ -952,7 +954,6 @@
               <a:rPr lang="zh-CN" altLang="en-US" smtClean="0"/>
               <a:t>第四级</a:t>
             </a:r>
-            <a:endParaRPr lang="zh-CN" altLang="en-US" smtClean="0"/>
           </a:p>
           <a:p>
             <a:pPr lvl="4"/>
@@ -989,7 +990,6 @@
               <a:rPr lang="zh-CN" altLang="en-US" smtClean="0"/>
               <a:t>单击此处编辑母版文本样式</a:t>
             </a:r>
-            <a:endParaRPr lang="zh-CN" altLang="en-US" smtClean="0"/>
           </a:p>
           <a:p>
             <a:pPr lvl="1"/>
@@ -997,7 +997,6 @@
               <a:rPr lang="zh-CN" altLang="en-US" smtClean="0"/>
               <a:t>第二级</a:t>
             </a:r>
-            <a:endParaRPr lang="zh-CN" altLang="en-US" smtClean="0"/>
           </a:p>
           <a:p>
             <a:pPr lvl="2"/>
@@ -1005,7 +1004,6 @@
               <a:rPr lang="zh-CN" altLang="en-US" smtClean="0"/>
               <a:t>第三级</a:t>
             </a:r>
-            <a:endParaRPr lang="zh-CN" altLang="en-US" smtClean="0"/>
           </a:p>
           <a:p>
             <a:pPr lvl="3"/>
@@ -1013,7 +1011,6 @@
               <a:rPr lang="zh-CN" altLang="en-US" smtClean="0"/>
               <a:t>第四级</a:t>
             </a:r>
-            <a:endParaRPr lang="zh-CN" altLang="en-US" smtClean="0"/>
           </a:p>
           <a:p>
             <a:pPr lvl="4"/>
@@ -1042,6 +1039,7 @@
           <a:p>
             <a:fld id="{82F288E0-7875-42C4-84C8-98DBBD3BF4D2}" type="datetimeFigureOut">
               <a:rPr lang="zh-CN" altLang="en-US" smtClean="0"/>
+              <a:t>2017/10/13</a:t>
             </a:fld>
             <a:endParaRPr lang="zh-CN" altLang="en-US"/>
           </a:p>
@@ -1083,6 +1081,7 @@
           <a:p>
             <a:fld id="{7D9BB5D0-35E4-459D-AEF3-FE4D7C45CC19}" type="slidenum">
               <a:rPr lang="zh-CN" altLang="en-US" smtClean="0"/>
+              <a:t>‹#›</a:t>
             </a:fld>
             <a:endParaRPr lang="zh-CN" altLang="en-US"/>
           </a:p>
@@ -1203,7 +1202,6 @@
               <a:rPr lang="zh-CN" altLang="en-US" smtClean="0"/>
               <a:t>单击此处编辑母版文本样式</a:t>
             </a:r>
-            <a:endParaRPr lang="zh-CN" altLang="en-US" smtClean="0"/>
           </a:p>
         </p:txBody>
       </p:sp>
@@ -1232,7 +1230,6 @@
               <a:rPr lang="zh-CN" altLang="en-US" smtClean="0"/>
               <a:t>单击此处编辑母版文本样式</a:t>
             </a:r>
-            <a:endParaRPr lang="zh-CN" altLang="en-US" smtClean="0"/>
           </a:p>
           <a:p>
             <a:pPr lvl="1"/>
@@ -1240,7 +1237,6 @@
               <a:rPr lang="zh-CN" altLang="en-US" smtClean="0"/>
               <a:t>第二级</a:t>
             </a:r>
-            <a:endParaRPr lang="zh-CN" altLang="en-US" smtClean="0"/>
           </a:p>
           <a:p>
             <a:pPr lvl="2"/>
@@ -1248,7 +1244,6 @@
               <a:rPr lang="zh-CN" altLang="en-US" smtClean="0"/>
               <a:t>第三级</a:t>
             </a:r>
-            <a:endParaRPr lang="zh-CN" altLang="en-US" smtClean="0"/>
           </a:p>
           <a:p>
             <a:pPr lvl="3"/>
@@ -1256,7 +1251,6 @@
               <a:rPr lang="zh-CN" altLang="en-US" smtClean="0"/>
               <a:t>第四级</a:t>
             </a:r>
-            <a:endParaRPr lang="zh-CN" altLang="en-US" smtClean="0"/>
           </a:p>
           <a:p>
             <a:pPr lvl="4"/>
@@ -1330,7 +1324,6 @@
               <a:rPr lang="zh-CN" altLang="en-US" smtClean="0"/>
               <a:t>单击此处编辑母版文本样式</a:t>
             </a:r>
-            <a:endParaRPr lang="zh-CN" altLang="en-US" smtClean="0"/>
           </a:p>
         </p:txBody>
       </p:sp>
@@ -1359,7 +1352,6 @@
               <a:rPr lang="zh-CN" altLang="en-US" smtClean="0"/>
               <a:t>单击此处编辑母版文本样式</a:t>
             </a:r>
-            <a:endParaRPr lang="zh-CN" altLang="en-US" smtClean="0"/>
           </a:p>
           <a:p>
             <a:pPr lvl="1"/>
@@ -1367,7 +1359,6 @@
               <a:rPr lang="zh-CN" altLang="en-US" smtClean="0"/>
               <a:t>第二级</a:t>
             </a:r>
-            <a:endParaRPr lang="zh-CN" altLang="en-US" smtClean="0"/>
           </a:p>
           <a:p>
             <a:pPr lvl="2"/>
@@ -1375,7 +1366,6 @@
               <a:rPr lang="zh-CN" altLang="en-US" smtClean="0"/>
               <a:t>第三级</a:t>
             </a:r>
-            <a:endParaRPr lang="zh-CN" altLang="en-US" smtClean="0"/>
           </a:p>
           <a:p>
             <a:pPr lvl="3"/>
@@ -1383,7 +1373,6 @@
               <a:rPr lang="zh-CN" altLang="en-US" smtClean="0"/>
               <a:t>第四级</a:t>
             </a:r>
-            <a:endParaRPr lang="zh-CN" altLang="en-US" smtClean="0"/>
           </a:p>
           <a:p>
             <a:pPr lvl="4"/>
@@ -1412,6 +1401,7 @@
           <a:p>
             <a:fld id="{82F288E0-7875-42C4-84C8-98DBBD3BF4D2}" type="datetimeFigureOut">
               <a:rPr lang="zh-CN" altLang="en-US" smtClean="0"/>
+              <a:t>2017/10/13</a:t>
             </a:fld>
             <a:endParaRPr lang="zh-CN" altLang="en-US"/>
           </a:p>
@@ -1453,6 +1443,7 @@
           <a:p>
             <a:fld id="{7D9BB5D0-35E4-459D-AEF3-FE4D7C45CC19}" type="slidenum">
               <a:rPr lang="zh-CN" altLang="en-US" smtClean="0"/>
+              <a:t>‹#›</a:t>
             </a:fld>
             <a:endParaRPr lang="zh-CN" altLang="en-US"/>
           </a:p>
@@ -1523,6 +1514,7 @@
           <a:p>
             <a:fld id="{82F288E0-7875-42C4-84C8-98DBBD3BF4D2}" type="datetimeFigureOut">
               <a:rPr lang="zh-CN" altLang="en-US" smtClean="0"/>
+              <a:t>2017/10/13</a:t>
             </a:fld>
             <a:endParaRPr lang="zh-CN" altLang="en-US"/>
           </a:p>
@@ -1564,6 +1556,7 @@
           <a:p>
             <a:fld id="{7D9BB5D0-35E4-459D-AEF3-FE4D7C45CC19}" type="slidenum">
               <a:rPr lang="zh-CN" altLang="en-US" smtClean="0"/>
+              <a:t>‹#›</a:t>
             </a:fld>
             <a:endParaRPr lang="zh-CN" altLang="en-US"/>
           </a:p>
@@ -1611,6 +1604,7 @@
           <a:p>
             <a:fld id="{82F288E0-7875-42C4-84C8-98DBBD3BF4D2}" type="datetimeFigureOut">
               <a:rPr lang="zh-CN" altLang="en-US" smtClean="0"/>
+              <a:t>2017/10/13</a:t>
             </a:fld>
             <a:endParaRPr lang="zh-CN" altLang="en-US"/>
           </a:p>
@@ -1652,6 +1646,7 @@
           <a:p>
             <a:fld id="{7D9BB5D0-35E4-459D-AEF3-FE4D7C45CC19}" type="slidenum">
               <a:rPr lang="zh-CN" altLang="en-US" smtClean="0"/>
+              <a:t>‹#›</a:t>
             </a:fld>
             <a:endParaRPr lang="zh-CN" altLang="en-US"/>
           </a:p>
@@ -1837,7 +1832,6 @@
               <a:rPr lang="zh-CN" altLang="en-US" smtClean="0"/>
               <a:t>单击此处编辑母版文本样式</a:t>
             </a:r>
-            <a:endParaRPr lang="zh-CN" altLang="en-US" smtClean="0"/>
           </a:p>
         </p:txBody>
       </p:sp>
@@ -1858,6 +1852,7 @@
           <a:p>
             <a:fld id="{82F288E0-7875-42C4-84C8-98DBBD3BF4D2}" type="datetimeFigureOut">
               <a:rPr lang="zh-CN" altLang="en-US" smtClean="0"/>
+              <a:t>2017/10/13</a:t>
             </a:fld>
             <a:endParaRPr lang="zh-CN" altLang="en-US"/>
           </a:p>
@@ -1899,6 +1894,7 @@
           <a:p>
             <a:fld id="{7D9BB5D0-35E4-459D-AEF3-FE4D7C45CC19}" type="slidenum">
               <a:rPr lang="zh-CN" altLang="en-US" smtClean="0"/>
+              <a:t>‹#›</a:t>
             </a:fld>
             <a:endParaRPr lang="zh-CN" altLang="en-US"/>
           </a:p>
@@ -1982,7 +1978,6 @@
               <a:rPr lang="zh-CN" altLang="en-US" smtClean="0"/>
               <a:t>单击此处编辑母版文本样式</a:t>
             </a:r>
-            <a:endParaRPr lang="zh-CN" altLang="en-US" smtClean="0"/>
           </a:p>
           <a:p>
             <a:pPr lvl="1"/>
@@ -1990,7 +1985,6 @@
               <a:rPr lang="zh-CN" altLang="en-US" smtClean="0"/>
               <a:t>第二级</a:t>
             </a:r>
-            <a:endParaRPr lang="zh-CN" altLang="en-US" smtClean="0"/>
           </a:p>
           <a:p>
             <a:pPr lvl="2"/>
@@ -1998,7 +1992,6 @@
               <a:rPr lang="zh-CN" altLang="en-US" smtClean="0"/>
               <a:t>第三级</a:t>
             </a:r>
-            <a:endParaRPr lang="zh-CN" altLang="en-US" smtClean="0"/>
           </a:p>
           <a:p>
             <a:pPr lvl="3"/>
@@ -2006,7 +1999,6 @@
               <a:rPr lang="zh-CN" altLang="en-US" smtClean="0"/>
               <a:t>第四级</a:t>
             </a:r>
-            <a:endParaRPr lang="zh-CN" altLang="en-US" smtClean="0"/>
           </a:p>
           <a:p>
             <a:pPr lvl="4"/>
@@ -2035,6 +2027,7 @@
           <a:p>
             <a:fld id="{82F288E0-7875-42C4-84C8-98DBBD3BF4D2}" type="datetimeFigureOut">
               <a:rPr lang="zh-CN" altLang="en-US" smtClean="0"/>
+              <a:t>2017/10/13</a:t>
             </a:fld>
             <a:endParaRPr lang="zh-CN" altLang="en-US"/>
           </a:p>
@@ -2076,6 +2069,7 @@
           <a:p>
             <a:fld id="{7D9BB5D0-35E4-459D-AEF3-FE4D7C45CC19}" type="slidenum">
               <a:rPr lang="zh-CN" altLang="en-US" smtClean="0"/>
+              <a:t>‹#›</a:t>
             </a:fld>
             <a:endParaRPr lang="zh-CN" altLang="en-US"/>
           </a:p>
@@ -2174,7 +2168,6 @@
               <a:rPr lang="zh-CN" altLang="en-US" smtClean="0"/>
               <a:t>单击此处编辑母版文本样式</a:t>
             </a:r>
-            <a:endParaRPr lang="zh-CN" altLang="en-US" smtClean="0"/>
           </a:p>
           <a:p>
             <a:pPr lvl="1"/>
@@ -2182,7 +2175,6 @@
               <a:rPr lang="zh-CN" altLang="en-US" smtClean="0"/>
               <a:t>第二级</a:t>
             </a:r>
-            <a:endParaRPr lang="zh-CN" altLang="en-US" smtClean="0"/>
           </a:p>
           <a:p>
             <a:pPr lvl="2"/>
@@ -2190,7 +2182,6 @@
               <a:rPr lang="zh-CN" altLang="en-US" smtClean="0"/>
               <a:t>第三级</a:t>
             </a:r>
-            <a:endParaRPr lang="zh-CN" altLang="en-US" smtClean="0"/>
           </a:p>
           <a:p>
             <a:pPr lvl="3"/>
@@ -2198,7 +2189,6 @@
               <a:rPr lang="zh-CN" altLang="en-US" smtClean="0"/>
               <a:t>第四级</a:t>
             </a:r>
-            <a:endParaRPr lang="zh-CN" altLang="en-US" smtClean="0"/>
           </a:p>
           <a:p>
             <a:pPr lvl="4"/>
@@ -2245,6 +2235,7 @@
           <a:p>
             <a:fld id="{82F288E0-7875-42C4-84C8-98DBBD3BF4D2}" type="datetimeFigureOut">
               <a:rPr lang="zh-CN" altLang="en-US" smtClean="0"/>
+              <a:t>2017/10/13</a:t>
             </a:fld>
             <a:endParaRPr lang="zh-CN" altLang="en-US"/>
           </a:p>
@@ -2322,6 +2313,7 @@
           <a:p>
             <a:fld id="{7D9BB5D0-35E4-459D-AEF3-FE4D7C45CC19}" type="slidenum">
               <a:rPr lang="zh-CN" altLang="en-US" smtClean="0"/>
+              <a:t>‹#›</a:t>
             </a:fld>
             <a:endParaRPr lang="zh-CN" altLang="en-US"/>
           </a:p>
@@ -2634,7 +2626,14 @@
         <p:cNvGrpSpPr/>
         <p:nvPr/>
       </p:nvGrpSpPr>
-      <p:grpSpPr/>
+      <p:grpSpPr>
+        <a:xfrm>
+          <a:off x="0" y="0"/>
+          <a:ext cx="0" cy="0"/>
+          <a:chOff x="0" y="0"/>
+          <a:chExt cx="0" cy="0"/>
+        </a:xfrm>
+      </p:grpSpPr>
       <p:sp>
         <p:nvSpPr>
           <p:cNvPr id="2" name="标题 1"/>
@@ -2653,12 +2652,12 @@
         </p:spPr>
         <p:txBody>
           <a:bodyPr/>
+          <a:lstStyle/>
           <a:p>
             <a:r>
               <a:rPr lang="zh-CN" altLang="en-US"/>
               <a:t>仿生机器人</a:t>
             </a:r>
-            <a:endParaRPr lang="zh-CN" altLang="en-US"/>
           </a:p>
         </p:txBody>
       </p:sp>
@@ -2675,14 +2674,14 @@
         <p:spPr/>
         <p:txBody>
           <a:bodyPr>
-            <a:normAutofit lnSpcReduction="20000"/>
+            <a:normAutofit lnSpcReduction="10000"/>
           </a:bodyPr>
+          <a:lstStyle/>
           <a:p>
             <a:r>
               <a:rPr lang="zh-CN" altLang="en-US"/>
               <a:t>第二周小组报告</a:t>
             </a:r>
-            <a:endParaRPr lang="zh-CN" altLang="en-US"/>
           </a:p>
           <a:p>
             <a:endParaRPr lang="zh-CN" altLang="en-US"/>
@@ -2692,14 +2691,12 @@
               <a:rPr lang="zh-CN" altLang="en-US"/>
               <a:t>第一组</a:t>
             </a:r>
-            <a:endParaRPr lang="zh-CN" altLang="en-US"/>
           </a:p>
           <a:p>
             <a:r>
               <a:rPr lang="zh-CN" altLang="en-US"/>
               <a:t>高驰，江一鸣，曹翔，高崇凯，简平诚，黄伟祥</a:t>
             </a:r>
-            <a:endParaRPr lang="zh-CN" altLang="en-US"/>
           </a:p>
         </p:txBody>
       </p:sp>
@@ -2720,7 +2717,14 @@
         <p:cNvGrpSpPr/>
         <p:nvPr/>
       </p:nvGrpSpPr>
-      <p:grpSpPr/>
+      <p:grpSpPr>
+        <a:xfrm>
+          <a:off x="0" y="0"/>
+          <a:ext cx="0" cy="0"/>
+          <a:chOff x="0" y="0"/>
+          <a:chExt cx="0" cy="0"/>
+        </a:xfrm>
+      </p:grpSpPr>
       <p:sp>
         <p:nvSpPr>
           <p:cNvPr id="2" name="标题 1"/>
@@ -2734,12 +2738,12 @@
         <p:spPr/>
         <p:txBody>
           <a:bodyPr/>
+          <a:lstStyle/>
           <a:p>
             <a:r>
               <a:rPr lang="zh-CN" altLang="en-US"/>
               <a:t>陆地机器人</a:t>
             </a:r>
-            <a:endParaRPr lang="zh-CN" altLang="en-US"/>
           </a:p>
         </p:txBody>
       </p:sp>
@@ -2756,8 +2760,9 @@
         <p:spPr/>
         <p:txBody>
           <a:bodyPr>
-            <a:normAutofit fontScale="50000"/>
+            <a:normAutofit fontScale="50000" lnSpcReduction="20000"/>
           </a:bodyPr>
+          <a:lstStyle/>
           <a:p>
             <a:pPr marL="0" indent="0" fontAlgn="auto">
               <a:lnSpc>
@@ -2766,42 +2771,60 @@
               <a:buNone/>
             </a:pPr>
             <a:r>
-              <a:rPr lang="zh-CN" altLang="en-US" b="1">
+              <a:rPr lang="zh-CN" altLang="en-US" b="1" dirty="0">
                 <a:sym typeface="+mn-ea"/>
               </a:rPr>
               <a:t>2008年</a:t>
             </a:r>
             <a:r>
-              <a:rPr lang="zh-CN" altLang="en-US">
+              <a:rPr lang="zh-CN" altLang="en-US" dirty="0">
                 <a:sym typeface="+mn-ea"/>
               </a:rPr>
               <a:t>，</a:t>
             </a:r>
             <a:r>
-              <a:rPr lang="zh-CN" altLang="en-US" b="1">
+              <a:rPr lang="zh-CN" altLang="en-US" b="1" dirty="0">
                 <a:sym typeface="+mn-ea"/>
               </a:rPr>
               <a:t>美国国防高级研究计划局</a:t>
             </a:r>
             <a:r>
-              <a:rPr lang="zh-CN" altLang="en-US">
+              <a:rPr lang="zh-CN" altLang="en-US" dirty="0">
                 <a:sym typeface="+mn-ea"/>
               </a:rPr>
               <a:t>领导研发的</a:t>
             </a:r>
             <a:r>
-              <a:rPr lang="zh-CN" altLang="en-US" b="1">
+              <a:rPr lang="zh-CN" altLang="en-US" b="1" dirty="0">
                 <a:sym typeface="+mn-ea"/>
               </a:rPr>
               <a:t>BigDog</a:t>
             </a:r>
             <a:r>
-              <a:rPr lang="zh-CN" altLang="en-US">
+              <a:rPr lang="zh-CN" altLang="en-US" dirty="0">
                 <a:sym typeface="+mn-ea"/>
               </a:rPr>
-              <a:t>横空出世，它能够穿越各种复杂地形，以6.4公里每小时运行，负重150公斤，爬35度的斜坡。它的运动由机载计算机控制，从机器人的各种传感器接收输入，导航和平衡也由控制系统管理。它的行走模式，通过各配备四个低摩擦液压缸执行器的四脚控制。它可以站起来，坐下，一次只抬起一条腿地爬行，只抬起对角线的两条腿地慢跑，或者快速地奔跑。BigDog的移动速度可以在0.2米每秒到1.6米每秒的范围内变化。[7]</a:t>
-            </a:r>
-            <a:endParaRPr lang="zh-CN" altLang="en-US"/>
+              <a:t>横空出世，它能够穿越各种复杂地形，以6.4公里每小时运行，负重150公斤，爬35度的斜坡。它的运动由机载计算机控制，从机器人的各种传感器接收输入，导航和平衡也由控制系统管理。它的行走模式，通过各配备四个低摩擦液压缸执行器的四脚控制。它可以站起来，坐下，一次只抬起一条腿地爬行，只抬起对角线的两条腿地慢跑，或者快速地奔跑。BigDog的移动速度可以在0.2米每秒到1.6米每秒的范围内变化。</a:t>
+            </a:r>
+            <a:r>
+              <a:rPr lang="zh-CN" altLang="en-US" dirty="0" smtClean="0">
+                <a:sym typeface="+mn-ea"/>
+              </a:rPr>
+              <a:t>[</a:t>
+            </a:r>
+            <a:r>
+              <a:rPr lang="en-US" altLang="zh-CN" dirty="0">
+                <a:sym typeface="+mn-ea"/>
+              </a:rPr>
+              <a:t>7</a:t>
+            </a:r>
+            <a:r>
+              <a:rPr lang="zh-CN" altLang="en-US" dirty="0" smtClean="0">
+                <a:sym typeface="+mn-ea"/>
+              </a:rPr>
+              <a:t>]</a:t>
+            </a:r>
+            <a:endParaRPr lang="zh-CN" altLang="en-US" dirty="0"/>
           </a:p>
           <a:p>
             <a:pPr marL="0" indent="0" fontAlgn="auto">
@@ -2810,7 +2833,7 @@
               </a:lnSpc>
               <a:buNone/>
             </a:pPr>
-            <a:endParaRPr lang="zh-CN" altLang="en-US"/>
+            <a:endParaRPr lang="zh-CN" altLang="en-US" dirty="0"/>
           </a:p>
           <a:p>
             <a:pPr marL="0" indent="0" fontAlgn="auto">
@@ -2820,12 +2843,12 @@
               <a:buNone/>
             </a:pPr>
             <a:r>
-              <a:rPr lang="zh-CN" altLang="en-US">
+              <a:rPr lang="zh-CN" altLang="en-US" dirty="0">
                 <a:sym typeface="+mn-ea"/>
               </a:rPr>
               <a:t>第三阶段</a:t>
             </a:r>
-            <a:endParaRPr lang="zh-CN" altLang="en-US"/>
+            <a:endParaRPr lang="zh-CN" altLang="en-US" dirty="0"/>
           </a:p>
           <a:p>
             <a:pPr marL="0" indent="0" fontAlgn="auto">
@@ -2835,12 +2858,12 @@
               <a:buNone/>
             </a:pPr>
             <a:r>
-              <a:rPr lang="zh-CN" altLang="en-US">
+              <a:rPr lang="zh-CN" altLang="en-US" dirty="0">
                 <a:sym typeface="+mn-ea"/>
               </a:rPr>
               <a:t>2010 年美国斯坦福大学教授 MARK 研制出“Sticky Bot Ⅲ”仿壁虎机器人，脚掌采用干性黏附材料，该机器人从吸附原理、运动形式都比较接近真实的壁虎。</a:t>
             </a:r>
-            <a:endParaRPr lang="zh-CN" altLang="en-US"/>
+            <a:endParaRPr lang="zh-CN" altLang="en-US" dirty="0"/>
           </a:p>
           <a:p>
             <a:pPr marL="0" indent="0" fontAlgn="auto">
@@ -2850,54 +2873,54 @@
               <a:buNone/>
             </a:pPr>
             <a:r>
-              <a:rPr lang="zh-CN" altLang="en-US" b="1">
+              <a:rPr lang="zh-CN" altLang="en-US" b="1" dirty="0">
                 <a:sym typeface="+mn-ea"/>
               </a:rPr>
               <a:t>2013年</a:t>
             </a:r>
             <a:r>
-              <a:rPr lang="zh-CN" altLang="en-US">
+              <a:rPr lang="zh-CN" altLang="en-US" dirty="0">
                 <a:sym typeface="+mn-ea"/>
               </a:rPr>
               <a:t>，美国</a:t>
             </a:r>
             <a:r>
-              <a:rPr lang="zh-CN" altLang="en-US" b="1">
+              <a:rPr lang="zh-CN" altLang="en-US" b="1" dirty="0">
                 <a:sym typeface="+mn-ea"/>
               </a:rPr>
               <a:t>波士顿动力</a:t>
             </a:r>
             <a:r>
-              <a:rPr lang="zh-CN" altLang="en-US">
+              <a:rPr lang="zh-CN" altLang="en-US" dirty="0">
                 <a:sym typeface="+mn-ea"/>
               </a:rPr>
               <a:t>公司最新研制的</a:t>
             </a:r>
             <a:r>
-              <a:rPr lang="zh-CN" altLang="en-US" b="1">
+              <a:rPr lang="zh-CN" altLang="en-US" b="1" dirty="0">
                 <a:sym typeface="+mn-ea"/>
               </a:rPr>
               <a:t>“猎豹”机器人</a:t>
             </a:r>
             <a:r>
-              <a:rPr lang="zh-CN" altLang="en-US">
+              <a:rPr lang="zh-CN" altLang="en-US" dirty="0">
                 <a:sym typeface="+mn-ea"/>
               </a:rPr>
               <a:t>能够冲刺，急转弯，并能突然急刹停止，与生物原型运动较接近。它的奔跑速度最高可达到46 km/h，是</a:t>
             </a:r>
             <a:r>
-              <a:rPr lang="zh-CN" altLang="en-US" b="1">
+              <a:rPr lang="zh-CN" altLang="en-US" b="1" dirty="0">
                 <a:sym typeface="+mn-ea"/>
               </a:rPr>
               <a:t>目前运动速度最快的仿生多足移动机器人</a:t>
             </a:r>
             <a:r>
-              <a:rPr lang="zh-CN" altLang="en-US">
+              <a:rPr lang="zh-CN" altLang="en-US" dirty="0">
                 <a:sym typeface="+mn-ea"/>
               </a:rPr>
               <a:t>。</a:t>
             </a:r>
-            <a:endParaRPr lang="zh-CN" altLang="en-US"/>
+            <a:endParaRPr lang="zh-CN" altLang="en-US" dirty="0"/>
           </a:p>
           <a:p>
             <a:pPr marL="0" indent="0" fontAlgn="auto">
@@ -2907,15 +2930,73 @@
               <a:buNone/>
             </a:pPr>
             <a:r>
-              <a:rPr lang="zh-CN" altLang="en-US">
+              <a:rPr lang="zh-CN" altLang="en-US" dirty="0">
                 <a:sym typeface="+mn-ea"/>
               </a:rPr>
               <a:t>2013年，德国FESTO公司研制成功的仿生袋鼠跳跃机器人“BionicKangaroo”。</a:t>
             </a:r>
-            <a:endParaRPr lang="zh-CN" altLang="en-US"/>
-          </a:p>
-          <a:p>
-            <a:endParaRPr lang="zh-CN" altLang="en-US"/>
+            <a:endParaRPr lang="zh-CN" altLang="en-US" dirty="0"/>
+          </a:p>
+          <a:p>
+            <a:endParaRPr lang="zh-CN" altLang="en-US" dirty="0"/>
+          </a:p>
+        </p:txBody>
+      </p:sp>
+      <p:sp>
+        <p:nvSpPr>
+          <p:cNvPr id="4" name="文本框 3"/>
+          <p:cNvSpPr txBox="1"/>
+          <p:nvPr/>
+        </p:nvSpPr>
+        <p:spPr>
+          <a:xfrm>
+            <a:off x="838200" y="6173400"/>
+            <a:ext cx="4414414" cy="276999"/>
+          </a:xfrm>
+          <a:prstGeom prst="rect">
+            <a:avLst/>
+          </a:prstGeom>
+          <a:noFill/>
+        </p:spPr>
+        <p:txBody>
+          <a:bodyPr wrap="none" rtlCol="0">
+            <a:spAutoFit/>
+          </a:bodyPr>
+          <a:lstStyle/>
+          <a:p>
+            <a:r>
+              <a:rPr lang="en-US" altLang="zh-CN" sz="1200" b="1" dirty="0" smtClean="0"/>
+              <a:t>[</a:t>
+            </a:r>
+            <a:r>
+              <a:rPr lang="en-US" altLang="zh-CN" sz="1200" b="1" dirty="0"/>
+              <a:t>7</a:t>
+            </a:r>
+            <a:r>
+              <a:rPr lang="en-US" altLang="zh-CN" sz="1200" b="1" dirty="0" smtClean="0"/>
+              <a:t>]"</a:t>
+            </a:r>
+            <a:r>
+              <a:rPr lang="en-US" altLang="zh-CN" sz="1200" b="1" dirty="0" err="1" smtClean="0"/>
+              <a:t>BigDog</a:t>
+            </a:r>
+            <a:r>
+              <a:rPr lang="zh-CN" altLang="en-US" sz="1200" b="1" dirty="0"/>
+              <a:t>维基百科</a:t>
+            </a:r>
+            <a:r>
+              <a:rPr lang="en-US" altLang="zh-CN" sz="1200" b="1" dirty="0"/>
+              <a:t>." from </a:t>
+            </a:r>
+            <a:r>
+              <a:rPr lang="en-US" altLang="zh-CN" sz="1200" b="1" dirty="0">
+                <a:hlinkClick r:id="rId2"/>
+              </a:rPr>
+              <a:t>https://en.wikipedia.org/wiki/BigDog</a:t>
+            </a:r>
+            <a:endParaRPr lang="zh-CN" altLang="en-US" sz="1200" b="1" dirty="0">
+              <a:latin typeface="+mn-ea"/>
+            </a:endParaRPr>
           </a:p>
         </p:txBody>
       </p:sp>
@@ -2936,19 +3017,26 @@
         <p:cNvGrpSpPr/>
         <p:nvPr/>
       </p:nvGrpSpPr>
-      <p:grpSpPr/>
+      <p:grpSpPr>
+        <a:xfrm>
+          <a:off x="0" y="0"/>
+          <a:ext cx="0" cy="0"/>
+          <a:chOff x="0" y="0"/>
+          <a:chExt cx="0" cy="0"/>
+        </a:xfrm>
+      </p:grpSpPr>
       <p:pic>
         <p:nvPicPr>
           <p:cNvPr id="4" name="内容占位符 3" descr="大狗"/>
           <p:cNvPicPr>
-            <a:picLocks noChangeAspect="1"/>
+            <a:picLocks noGrp="1" noChangeAspect="1"/>
           </p:cNvPicPr>
           <p:nvPr>
             <p:ph idx="1"/>
           </p:nvPr>
         </p:nvPicPr>
         <p:blipFill>
-          <a:blip r:embed="rId1"/>
+          <a:blip r:embed="rId2"/>
           <a:stretch>
             <a:fillRect/>
           </a:stretch>
@@ -2972,7 +3060,7 @@
           <p:nvPr/>
         </p:nvPicPr>
         <p:blipFill>
-          <a:blip r:embed="rId2"/>
+          <a:blip r:embed="rId3"/>
           <a:stretch>
             <a:fillRect/>
           </a:stretch>
@@ -2996,7 +3084,7 @@
           <p:nvPr/>
         </p:nvPicPr>
         <p:blipFill>
-          <a:blip r:embed="rId3"/>
+          <a:blip r:embed="rId4"/>
           <a:stretch>
             <a:fillRect/>
           </a:stretch>
@@ -3020,7 +3108,7 @@
           <p:nvPr/>
         </p:nvPicPr>
         <p:blipFill>
-          <a:blip r:embed="rId4"/>
+          <a:blip r:embed="rId5"/>
           <a:stretch>
             <a:fillRect/>
           </a:stretch>
@@ -3052,7 +3140,14 @@
         <p:cNvGrpSpPr/>
         <p:nvPr/>
       </p:nvGrpSpPr>
-      <p:grpSpPr/>
+      <p:grpSpPr>
+        <a:xfrm>
+          <a:off x="0" y="0"/>
+          <a:ext cx="0" cy="0"/>
+          <a:chOff x="0" y="0"/>
+          <a:chExt cx="0" cy="0"/>
+        </a:xfrm>
+      </p:grpSpPr>
       <p:sp>
         <p:nvSpPr>
           <p:cNvPr id="2" name="标题 1"/>
@@ -3066,12 +3161,12 @@
         <p:spPr/>
         <p:txBody>
           <a:bodyPr/>
+          <a:lstStyle/>
           <a:p>
             <a:r>
               <a:rPr lang="zh-CN" altLang="en-US"/>
               <a:t>水下机器人</a:t>
             </a:r>
-            <a:endParaRPr lang="zh-CN" altLang="en-US"/>
           </a:p>
         </p:txBody>
       </p:sp>
@@ -3088,8 +3183,9 @@
         <p:spPr/>
         <p:txBody>
           <a:bodyPr>
-            <a:normAutofit fontScale="70000"/>
+            <a:normAutofit fontScale="77500" lnSpcReduction="10000"/>
           </a:bodyPr>
+          <a:lstStyle/>
           <a:p>
             <a:pPr fontAlgn="auto">
               <a:lnSpc>
@@ -3100,7 +3196,6 @@
               <a:rPr lang="zh-CN" altLang="en-US"/>
               <a:t>第一与第二阶段</a:t>
             </a:r>
-            <a:endParaRPr lang="zh-CN" altLang="en-US"/>
           </a:p>
           <a:p>
             <a:pPr fontAlgn="auto">
@@ -3140,7 +3235,6 @@
               <a:rPr lang="zh-CN" altLang="en-US"/>
               <a:t>，开启了水下仿生机器人研制的先河。</a:t>
             </a:r>
-            <a:endParaRPr lang="zh-CN" altLang="en-US"/>
           </a:p>
           <a:p>
             <a:pPr fontAlgn="auto">
@@ -3152,7 +3246,6 @@
               <a:rPr lang="zh-CN" altLang="en-US"/>
               <a:t>发展中的第三阶段</a:t>
             </a:r>
-            <a:endParaRPr lang="zh-CN" altLang="en-US"/>
           </a:p>
           <a:p>
             <a:pPr fontAlgn="auto">
@@ -3188,7 +3281,6 @@
               <a:rPr lang="zh-CN" altLang="en-US"/>
               <a:t>还存在不足。</a:t>
             </a:r>
-            <a:endParaRPr lang="zh-CN" altLang="en-US"/>
           </a:p>
         </p:txBody>
       </p:sp>
@@ -3197,6 +3289,13 @@
   <p:clrMapOvr>
     <a:masterClrMapping/>
   </p:clrMapOvr>
+  <p:timing>
+    <p:tnLst>
+      <p:par>
+        <p:cTn id="1" dur="indefinite" restart="never" nodeType="tmRoot"/>
+      </p:par>
+    </p:tnLst>
+  </p:timing>
 </p:sld>
 </file>
 
@@ -3209,37 +3308,26 @@
         <p:cNvGrpSpPr/>
         <p:nvPr/>
       </p:nvGrpSpPr>
-      <p:grpSpPr/>
-      <p:sp>
-        <p:nvSpPr>
-          <p:cNvPr id="2" name="标题 1"/>
-          <p:cNvSpPr>
-            <a:spLocks noGrp="1"/>
-          </p:cNvSpPr>
-          <p:nvPr>
-            <p:ph type="title"/>
-          </p:nvPr>
-        </p:nvSpPr>
-        <p:spPr/>
-        <p:txBody>
-          <a:bodyPr/>
-          <a:p>
-            <a:endParaRPr lang="zh-CN" altLang="en-US"/>
-          </a:p>
-        </p:txBody>
-      </p:sp>
+      <p:grpSpPr>
+        <a:xfrm>
+          <a:off x="0" y="0"/>
+          <a:ext cx="0" cy="0"/>
+          <a:chOff x="0" y="0"/>
+          <a:chExt cx="0" cy="0"/>
+        </a:xfrm>
+      </p:grpSpPr>
       <p:pic>
         <p:nvPicPr>
           <p:cNvPr id="4" name="内容占位符 3" descr="北航"/>
           <p:cNvPicPr>
-            <a:picLocks noChangeAspect="1"/>
+            <a:picLocks noGrp="1" noChangeAspect="1"/>
           </p:cNvPicPr>
           <p:nvPr>
             <p:ph idx="1"/>
           </p:nvPr>
         </p:nvPicPr>
         <p:blipFill>
-          <a:blip r:embed="rId1"/>
+          <a:blip r:embed="rId2"/>
           <a:stretch>
             <a:fillRect/>
           </a:stretch>
@@ -3263,7 +3351,7 @@
           <p:nvPr/>
         </p:nvPicPr>
         <p:blipFill>
-          <a:blip r:embed="rId2"/>
+          <a:blip r:embed="rId3"/>
           <a:stretch>
             <a:fillRect/>
           </a:stretch>
@@ -3287,7 +3375,7 @@
           <p:nvPr/>
         </p:nvPicPr>
         <p:blipFill>
-          <a:blip r:embed="rId3"/>
+          <a:blip r:embed="rId4"/>
           <a:stretch>
             <a:fillRect/>
           </a:stretch>
@@ -3311,7 +3399,7 @@
           <p:nvPr/>
         </p:nvPicPr>
         <p:blipFill>
-          <a:blip r:embed="rId4"/>
+          <a:blip r:embed="rId5"/>
           <a:stretch>
             <a:fillRect/>
           </a:stretch>
@@ -3331,6 +3419,13 @@
   <p:clrMapOvr>
     <a:masterClrMapping/>
   </p:clrMapOvr>
+  <p:timing>
+    <p:tnLst>
+      <p:par>
+        <p:cTn id="1" dur="indefinite" restart="never" nodeType="tmRoot"/>
+      </p:par>
+    </p:tnLst>
+  </p:timing>
 </p:sld>
 </file>
 
@@ -3343,7 +3438,14 @@
         <p:cNvGrpSpPr/>
         <p:nvPr/>
       </p:nvGrpSpPr>
-      <p:grpSpPr/>
+      <p:grpSpPr>
+        <a:xfrm>
+          <a:off x="0" y="0"/>
+          <a:ext cx="0" cy="0"/>
+          <a:chOff x="0" y="0"/>
+          <a:chExt cx="0" cy="0"/>
+        </a:xfrm>
+      </p:grpSpPr>
       <p:sp>
         <p:nvSpPr>
           <p:cNvPr id="2" name="标题 1"/>
@@ -3357,12 +3459,12 @@
         <p:spPr/>
         <p:txBody>
           <a:bodyPr/>
+          <a:lstStyle/>
           <a:p>
             <a:r>
               <a:rPr lang="zh-CN" altLang="en-US"/>
               <a:t>空中机器人</a:t>
             </a:r>
-            <a:endParaRPr lang="zh-CN" altLang="en-US"/>
           </a:p>
         </p:txBody>
       </p:sp>
@@ -3379,8 +3481,9 @@
         <p:spPr/>
         <p:txBody>
           <a:bodyPr>
-            <a:normAutofit fontScale="50000"/>
+            <a:normAutofit fontScale="57500" lnSpcReduction="10000"/>
           </a:bodyPr>
+          <a:lstStyle/>
           <a:p>
             <a:pPr fontAlgn="auto">
               <a:lnSpc>
@@ -3391,7 +3494,6 @@
               <a:rPr lang="zh-CN" altLang="en-US"/>
               <a:t>第一阶段</a:t>
             </a:r>
-            <a:endParaRPr lang="zh-CN" altLang="en-US"/>
           </a:p>
           <a:p>
             <a:pPr fontAlgn="auto">
@@ -3423,7 +3525,6 @@
               <a:rPr lang="zh-CN" altLang="en-US"/>
               <a:t>。</a:t>
             </a:r>
-            <a:endParaRPr lang="zh-CN" altLang="en-US"/>
           </a:p>
           <a:p>
             <a:pPr fontAlgn="auto">
@@ -3435,7 +3536,6 @@
               <a:rPr lang="zh-CN" altLang="en-US"/>
               <a:t>第二阶段</a:t>
             </a:r>
-            <a:endParaRPr lang="zh-CN" altLang="en-US"/>
           </a:p>
           <a:p>
             <a:pPr fontAlgn="auto">
@@ -3467,7 +3567,6 @@
               <a:rPr lang="zh-CN" altLang="en-US"/>
               <a:t>。</a:t>
             </a:r>
-            <a:endParaRPr lang="zh-CN" altLang="en-US"/>
           </a:p>
           <a:p>
             <a:pPr fontAlgn="auto">
@@ -3491,7 +3590,6 @@
               <a:rPr lang="zh-CN" altLang="en-US"/>
               <a:t>，该样机最长飞行时间为42s.</a:t>
             </a:r>
-            <a:endParaRPr lang="zh-CN" altLang="en-US"/>
           </a:p>
           <a:p>
             <a:pPr fontAlgn="auto">
@@ -3503,7 +3601,6 @@
               <a:rPr lang="zh-CN" altLang="en-US"/>
               <a:t>第三阶段</a:t>
             </a:r>
-            <a:endParaRPr lang="zh-CN" altLang="en-US"/>
           </a:p>
           <a:p>
             <a:pPr fontAlgn="auto">
@@ -3535,7 +3632,6 @@
               <a:rPr lang="zh-CN" altLang="en-US"/>
               <a:t>，在外观下，它也与真正的鸟极为相似，令人难辨真伪。SmartBird的移动和拍打翅膀的方式具有极高的仿真性，在空中飞行时，我们很容易将其误认为一只真正的鸟，只有近距离观察时才会恍然大悟。</a:t>
             </a:r>
-            <a:endParaRPr lang="zh-CN" altLang="en-US"/>
           </a:p>
         </p:txBody>
       </p:sp>
@@ -3544,6 +3640,13 @@
   <p:clrMapOvr>
     <a:masterClrMapping/>
   </p:clrMapOvr>
+  <p:timing>
+    <p:tnLst>
+      <p:par>
+        <p:cTn id="1" dur="indefinite" restart="never" nodeType="tmRoot"/>
+      </p:par>
+    </p:tnLst>
+  </p:timing>
 </p:sld>
 </file>
 
@@ -3556,19 +3659,26 @@
         <p:cNvGrpSpPr/>
         <p:nvPr/>
       </p:nvGrpSpPr>
-      <p:grpSpPr/>
+      <p:grpSpPr>
+        <a:xfrm>
+          <a:off x="0" y="0"/>
+          <a:ext cx="0" cy="0"/>
+          <a:chOff x="0" y="0"/>
+          <a:chExt cx="0" cy="0"/>
+        </a:xfrm>
+      </p:grpSpPr>
       <p:pic>
         <p:nvPicPr>
           <p:cNvPr id="4" name="内容占位符 3" descr="达芬奇"/>
           <p:cNvPicPr>
-            <a:picLocks noChangeAspect="1"/>
+            <a:picLocks noGrp="1" noChangeAspect="1"/>
           </p:cNvPicPr>
           <p:nvPr>
             <p:ph idx="1"/>
           </p:nvPr>
         </p:nvPicPr>
         <p:blipFill>
-          <a:blip r:embed="rId1"/>
+          <a:blip r:embed="rId2"/>
           <a:stretch>
             <a:fillRect/>
           </a:stretch>
@@ -3592,7 +3702,7 @@
           <p:nvPr/>
         </p:nvPicPr>
         <p:blipFill>
-          <a:blip r:embed="rId2"/>
+          <a:blip r:embed="rId3"/>
           <a:stretch>
             <a:fillRect/>
           </a:stretch>
@@ -3612,6 +3722,13 @@
   <p:clrMapOvr>
     <a:masterClrMapping/>
   </p:clrMapOvr>
+  <p:timing>
+    <p:tnLst>
+      <p:par>
+        <p:cTn id="1" dur="indefinite" restart="never" nodeType="tmRoot"/>
+      </p:par>
+    </p:tnLst>
+  </p:timing>
 </p:sld>
 </file>
 
@@ -3624,7 +3741,196 @@
         <p:cNvGrpSpPr/>
         <p:nvPr/>
       </p:nvGrpSpPr>
-      <p:grpSpPr/>
+      <p:grpSpPr>
+        <a:xfrm>
+          <a:off x="0" y="0"/>
+          <a:ext cx="0" cy="0"/>
+          <a:chOff x="0" y="0"/>
+          <a:chExt cx="0" cy="0"/>
+        </a:xfrm>
+      </p:grpSpPr>
+      <p:sp>
+        <p:nvSpPr>
+          <p:cNvPr id="2" name="标题 1"/>
+          <p:cNvSpPr>
+            <a:spLocks noGrp="1"/>
+          </p:cNvSpPr>
+          <p:nvPr>
+            <p:ph type="title"/>
+          </p:nvPr>
+        </p:nvSpPr>
+        <p:spPr/>
+        <p:txBody>
+          <a:bodyPr/>
+          <a:lstStyle/>
+          <a:p>
+            <a:r>
+              <a:rPr lang="zh-CN" altLang="en-US" dirty="0"/>
+              <a:t>参考文献</a:t>
+            </a:r>
+          </a:p>
+        </p:txBody>
+      </p:sp>
+      <p:sp>
+        <p:nvSpPr>
+          <p:cNvPr id="3" name="内容占位符 2"/>
+          <p:cNvSpPr>
+            <a:spLocks noGrp="1"/>
+          </p:cNvSpPr>
+          <p:nvPr>
+            <p:ph idx="1"/>
+          </p:nvPr>
+        </p:nvSpPr>
+        <p:spPr/>
+        <p:txBody>
+          <a:bodyPr>
+            <a:normAutofit fontScale="45000" lnSpcReduction="20000"/>
+          </a:bodyPr>
+          <a:lstStyle/>
+          <a:p>
+            <a:pPr>
+              <a:lnSpc>
+                <a:spcPct val="170000"/>
+              </a:lnSpc>
+              <a:spcBef>
+                <a:spcPts val="0"/>
+              </a:spcBef>
+            </a:pPr>
+            <a:r>
+              <a:rPr lang="zh-CN" altLang="en-US" dirty="0"/>
+              <a:t>【1】王国彪,陈殿生,陈科位,张自强. 仿生机器人研究现状与发展趋势[J]. 机械工程学报,2015,51(13):27-44. (2015-06-08)[2017-10-12]http://kns.cnki.net/kcms/detail/11.2187.th.20150608.1027.029.html </a:t>
+            </a:r>
+          </a:p>
+          <a:p>
+            <a:pPr>
+              <a:lnSpc>
+                <a:spcPct val="170000"/>
+              </a:lnSpc>
+              <a:spcBef>
+                <a:spcPts val="0"/>
+              </a:spcBef>
+            </a:pPr>
+            <a:r>
+              <a:rPr lang="zh-CN" altLang="en-US" dirty="0"/>
+              <a:t>【2】谢涛,徐建峰,张永学,强文义. 仿人机器人的研究历史、现状及展望[J]. 机器人,2002,(04):367-374. [2017-10-12]. DOI：10.13973/j.cnki.robot.2002.04.017 </a:t>
+            </a:r>
+          </a:p>
+          <a:p>
+            <a:pPr>
+              <a:lnSpc>
+                <a:spcPct val="170000"/>
+              </a:lnSpc>
+              <a:spcBef>
+                <a:spcPts val="0"/>
+              </a:spcBef>
+            </a:pPr>
+            <a:r>
+              <a:rPr lang="zh-CN" altLang="en-US" dirty="0"/>
+              <a:t>【3】谭冠政,朱剑英,尉忠信. 国内外两足步行机器人研究的历史、现状及发展趋势[J]. 机器人,1992,(03):59-64. [2017-10-12]. DOI：10.13973/j.cnki.robot.1992.03.012 </a:t>
+            </a:r>
+          </a:p>
+          <a:p>
+            <a:pPr>
+              <a:lnSpc>
+                <a:spcPct val="170000"/>
+              </a:lnSpc>
+              <a:spcBef>
+                <a:spcPts val="0"/>
+              </a:spcBef>
+            </a:pPr>
+            <a:r>
+              <a:rPr lang="zh-CN" altLang="en-US" dirty="0"/>
+              <a:t>【4】 "ALROBOT奥松机器人." from http://www.alsrobot.cn/article-67.html.</a:t>
+            </a:r>
+          </a:p>
+          <a:p>
+            <a:pPr>
+              <a:lnSpc>
+                <a:spcPct val="170000"/>
+              </a:lnSpc>
+              <a:spcBef>
+                <a:spcPts val="0"/>
+              </a:spcBef>
+            </a:pPr>
+            <a:r>
+              <a:rPr lang="zh-CN" altLang="en-US" dirty="0"/>
+              <a:t>【5】周骥平,武立新,朱兴龙. 仿生扑翼飞行器的研究现状及关键技术[J]. 机器人技术与应用,2004,(06):12-17. [2017-10-12].</a:t>
+            </a:r>
+          </a:p>
+          <a:p>
+            <a:pPr>
+              <a:lnSpc>
+                <a:spcPct val="170000"/>
+              </a:lnSpc>
+              <a:spcBef>
+                <a:spcPts val="0"/>
+              </a:spcBef>
+            </a:pPr>
+            <a:r>
+              <a:rPr lang="zh-CN" altLang="en-US" dirty="0"/>
+              <a:t>【6】"Asimo维基百科." from https://en.wikipedia.org/wiki/ASIMO</a:t>
+            </a:r>
+          </a:p>
+          <a:p>
+            <a:pPr>
+              <a:lnSpc>
+                <a:spcPct val="170000"/>
+              </a:lnSpc>
+              <a:spcBef>
+                <a:spcPts val="0"/>
+              </a:spcBef>
+            </a:pPr>
+            <a:r>
+              <a:rPr lang="zh-CN" altLang="en-US" dirty="0"/>
+              <a:t>【7】"BigDog维基百科." from https://en.wikipedia.org/wiki/BigDog</a:t>
+            </a:r>
+          </a:p>
+          <a:p>
+            <a:pPr>
+              <a:lnSpc>
+                <a:spcPct val="170000"/>
+              </a:lnSpc>
+              <a:spcBef>
+                <a:spcPts val="0"/>
+              </a:spcBef>
+            </a:pPr>
+            <a:r>
+              <a:rPr lang="zh-CN" altLang="en-US" dirty="0"/>
+              <a:t>【8】"仿生机器人-中国知网学术关注度检索." from http://kns.cnki.net/kns/brief/Default_Result.aspx?code=CIDX&amp;kw=%e4%bb%bf%e7%94%9f%e6%9c%ba%e5%99%a8%e4%ba%ba&amp;korder=&amp;sel=1</a:t>
+            </a:r>
+          </a:p>
+        </p:txBody>
+      </p:sp>
+    </p:spTree>
+    <p:extLst>
+      <p:ext uri="{BB962C8B-B14F-4D97-AF65-F5344CB8AC3E}">
+        <p14:creationId xmlns:p14="http://schemas.microsoft.com/office/powerpoint/2010/main" val="1590747191"/>
+      </p:ext>
+    </p:extLst>
+  </p:cSld>
+  <p:clrMapOvr>
+    <a:masterClrMapping/>
+  </p:clrMapOvr>
+</p:sld>
+</file>
+
+<file path=ppt/slides/slide17.xml><?xml version="1.0" encoding="utf-8"?>
+<p:sld xmlns:a="http://schemas.openxmlformats.org/drawingml/2006/main" xmlns:r="http://schemas.openxmlformats.org/officeDocument/2006/relationships" xmlns:p="http://schemas.openxmlformats.org/presentationml/2006/main">
+  <p:cSld>
+    <p:spTree>
+      <p:nvGrpSpPr>
+        <p:cNvPr id="1" name=""/>
+        <p:cNvGrpSpPr/>
+        <p:nvPr/>
+      </p:nvGrpSpPr>
+      <p:grpSpPr>
+        <a:xfrm>
+          <a:off x="0" y="0"/>
+          <a:ext cx="0" cy="0"/>
+          <a:chOff x="0" y="0"/>
+          <a:chExt cx="0" cy="0"/>
+        </a:xfrm>
+      </p:grpSpPr>
       <p:sp>
         <p:nvSpPr>
           <p:cNvPr id="4" name="矩形 3"/>
@@ -3648,6 +3954,7 @@
           <a:bodyPr wrap="none" rtlCol="0" anchor="t">
             <a:spAutoFit/>
           </a:bodyPr>
+          <a:lstStyle/>
           <a:p>
             <a:pPr algn="ctr"/>
             <a:r>
@@ -3677,30 +3984,6 @@
               </a:rPr>
               <a:t>谢谢！</a:t>
             </a:r>
-            <a:endParaRPr lang="zh-CN" altLang="en-US" sz="7200" b="1">
-              <a:ln/>
-              <a:pattFill prst="dkUpDiag">
-                <a:fgClr>
-                  <a:schemeClr val="bg1">
-                    <a:lumMod val="50000"/>
-                  </a:schemeClr>
-                </a:fgClr>
-                <a:bgClr>
-                  <a:schemeClr val="tx1">
-                    <a:lumMod val="75000"/>
-                    <a:lumOff val="25000"/>
-                  </a:schemeClr>
-                </a:bgClr>
-              </a:pattFill>
-              <a:effectLst>
-                <a:outerShdw blurRad="38100" dist="19050" dir="2700000" algn="tl" rotWithShape="0">
-                  <a:schemeClr val="dk1">
-                    <a:alpha val="40000"/>
-                    <a:lumMod val="50000"/>
-                  </a:schemeClr>
-                </a:outerShdw>
-              </a:effectLst>
-            </a:endParaRPr>
           </a:p>
         </p:txBody>
       </p:sp>
@@ -3721,7 +4004,14 @@
         <p:cNvGrpSpPr/>
         <p:nvPr/>
       </p:nvGrpSpPr>
-      <p:grpSpPr/>
+      <p:grpSpPr>
+        <a:xfrm>
+          <a:off x="0" y="0"/>
+          <a:ext cx="0" cy="0"/>
+          <a:chOff x="0" y="0"/>
+          <a:chExt cx="0" cy="0"/>
+        </a:xfrm>
+      </p:grpSpPr>
       <p:sp>
         <p:nvSpPr>
           <p:cNvPr id="2" name="标题 1"/>
@@ -3735,12 +4025,12 @@
         <p:spPr/>
         <p:txBody>
           <a:bodyPr/>
+          <a:lstStyle/>
           <a:p>
             <a:r>
               <a:rPr lang="zh-CN" altLang="en-US"/>
               <a:t>产业分析报告大纲</a:t>
             </a:r>
-            <a:endParaRPr lang="zh-CN" altLang="en-US"/>
           </a:p>
         </p:txBody>
       </p:sp>
@@ -3764,33 +4054,30 @@
           <a:bodyPr>
             <a:normAutofit/>
           </a:bodyPr>
+          <a:lstStyle/>
           <a:p>
             <a:r>
               <a:rPr lang="zh-CN" altLang="en-US" sz="1600"/>
               <a:t>逻辑模型</a:t>
             </a:r>
-            <a:endParaRPr lang="zh-CN" altLang="en-US" sz="1600"/>
           </a:p>
           <a:p>
             <a:r>
               <a:rPr lang="zh-CN" altLang="en-US" sz="1600"/>
               <a:t>定义（仿生机器人）</a:t>
             </a:r>
-            <a:endParaRPr lang="zh-CN" altLang="en-US" sz="1600"/>
           </a:p>
           <a:p>
             <a:r>
               <a:rPr lang="zh-CN" altLang="en-US" sz="1600"/>
               <a:t>沿革史</a:t>
             </a:r>
-            <a:endParaRPr lang="zh-CN" altLang="en-US" sz="1600"/>
           </a:p>
           <a:p>
             <a:r>
               <a:rPr lang="zh-CN" altLang="en-US" sz="1600"/>
               <a:t>现状</a:t>
             </a:r>
-            <a:endParaRPr lang="zh-CN" altLang="en-US" sz="1600"/>
           </a:p>
           <a:p>
             <a:pPr marL="0" indent="0">
@@ -3800,7 +4087,6 @@
               <a:rPr lang="zh-CN" altLang="en-US" sz="1600"/>
               <a:t>            中外对比视角</a:t>
             </a:r>
-            <a:endParaRPr lang="zh-CN" altLang="en-US" sz="1600"/>
           </a:p>
           <a:p>
             <a:pPr marL="0" indent="0">
@@ -3810,7 +4096,6 @@
               <a:rPr lang="zh-CN" altLang="en-US" sz="1600"/>
               <a:t>            市场：规模（资本）等</a:t>
             </a:r>
-            <a:endParaRPr lang="zh-CN" altLang="en-US" sz="1600"/>
           </a:p>
           <a:p>
             <a:pPr marL="0" indent="0">
@@ -3820,7 +4105,6 @@
               <a:rPr lang="zh-CN" altLang="en-US" sz="1600"/>
               <a:t>            企业</a:t>
             </a:r>
-            <a:endParaRPr lang="zh-CN" altLang="en-US" sz="1600"/>
           </a:p>
           <a:p>
             <a:pPr marL="0" indent="0">
@@ -3830,14 +4114,12 @@
               <a:rPr lang="zh-CN" altLang="en-US" sz="1600"/>
               <a:t>            外部环境：政策，群众心里，热度（指数分析）等</a:t>
             </a:r>
-            <a:endParaRPr lang="zh-CN" altLang="en-US" sz="1600"/>
           </a:p>
           <a:p>
             <a:r>
               <a:rPr lang="zh-CN" altLang="en-US" sz="1600"/>
               <a:t>展望</a:t>
             </a:r>
-            <a:endParaRPr lang="zh-CN" altLang="en-US" sz="1600"/>
           </a:p>
           <a:p>
             <a:pPr marL="0" indent="0">
@@ -3847,7 +4129,6 @@
               <a:rPr lang="zh-CN" altLang="en-US" sz="1600"/>
               <a:t>           技术发展方向</a:t>
             </a:r>
-            <a:endParaRPr lang="zh-CN" altLang="en-US" sz="1600"/>
           </a:p>
           <a:p>
             <a:pPr marL="0" indent="0">
@@ -3857,7 +4138,6 @@
               <a:rPr lang="zh-CN" altLang="en-US" sz="1600"/>
               <a:t>           应用场景趋势</a:t>
             </a:r>
-            <a:endParaRPr lang="zh-CN" altLang="en-US" sz="1600"/>
           </a:p>
           <a:p>
             <a:pPr marL="0" indent="0">
@@ -3867,7 +4147,6 @@
               <a:rPr lang="zh-CN" altLang="en-US" sz="1600"/>
               <a:t>           产业发展预期</a:t>
             </a:r>
-            <a:endParaRPr lang="zh-CN" altLang="en-US" sz="1600"/>
           </a:p>
           <a:p>
             <a:endParaRPr lang="zh-CN" altLang="en-US" sz="1600"/>
@@ -3894,6 +4173,7 @@
           <a:bodyPr wrap="square" rtlCol="0">
             <a:spAutoFit/>
           </a:bodyPr>
+          <a:lstStyle/>
           <a:p>
             <a:pPr fontAlgn="auto">
               <a:lnSpc>
@@ -3990,9 +4270,6 @@
               </a:rPr>
               <a:t>         老师（仿生机器人方向）</a:t>
             </a:r>
-            <a:endParaRPr lang="zh-CN" altLang="en-US" sz="1600">
-              <a:sym typeface="+mn-ea"/>
-            </a:endParaRPr>
           </a:p>
           <a:p>
             <a:endParaRPr lang="zh-CN" altLang="en-US" sz="1600"/>
@@ -4016,7 +4293,14 @@
         <p:cNvGrpSpPr/>
         <p:nvPr/>
       </p:nvGrpSpPr>
-      <p:grpSpPr/>
+      <p:grpSpPr>
+        <a:xfrm>
+          <a:off x="0" y="0"/>
+          <a:ext cx="0" cy="0"/>
+          <a:chOff x="0" y="0"/>
+          <a:chExt cx="0" cy="0"/>
+        </a:xfrm>
+      </p:grpSpPr>
       <p:sp>
         <p:nvSpPr>
           <p:cNvPr id="2" name="标题 1"/>
@@ -4030,16 +4314,12 @@
         <p:spPr/>
         <p:txBody>
           <a:bodyPr/>
+          <a:lstStyle/>
           <a:p>
             <a:r>
               <a:rPr lang="zh-CN" altLang="en-US"/>
-              <a:t>产业</a:t>
-            </a:r>
-            <a:r>
-              <a:rPr lang="zh-CN" altLang="en-US"/>
-              <a:t>沿革史</a:t>
-            </a:r>
-            <a:endParaRPr lang="zh-CN" altLang="en-US"/>
+              <a:t>产业沿革史</a:t>
+            </a:r>
           </a:p>
         </p:txBody>
       </p:sp>
@@ -4056,50 +4336,108 @@
         <p:spPr/>
         <p:txBody>
           <a:bodyPr/>
-          <a:p>
-            <a:r>
-              <a:rPr lang="en-US" altLang="zh-CN"/>
-              <a:t>S Curve</a:t>
-            </a:r>
-            <a:endParaRPr lang="en-US" altLang="zh-CN"/>
-          </a:p>
-          <a:p>
-            <a:endParaRPr lang="zh-CN" altLang="en-US"/>
-          </a:p>
-          <a:p>
-            <a:r>
-              <a:rPr lang="zh-CN" altLang="en-US"/>
-              <a:t>发展阶段（总体</a:t>
-            </a:r>
-            <a:r>
-              <a:rPr lang="zh-CN" altLang="en-US"/>
-              <a:t>）</a:t>
-            </a:r>
-            <a:endParaRPr lang="zh-CN" altLang="en-US"/>
-          </a:p>
-          <a:p>
-            <a:endParaRPr lang="zh-CN" altLang="en-US"/>
-          </a:p>
-          <a:p>
-            <a:r>
-              <a:rPr lang="zh-CN" altLang="en-US"/>
-              <a:t>发展历史（分类：仿人，陆地，水下，空中</a:t>
-            </a:r>
-            <a:r>
-              <a:rPr lang="zh-CN" altLang="en-US"/>
-              <a:t>）</a:t>
-            </a:r>
-            <a:endParaRPr lang="zh-CN" altLang="en-US"/>
-          </a:p>
-          <a:p>
-            <a:endParaRPr lang="zh-CN" altLang="en-US"/>
-          </a:p>
-          <a:p>
-            <a:r>
-              <a:rPr lang="zh-CN" altLang="en-US"/>
+          <a:lstStyle/>
+          <a:p>
+            <a:r>
+              <a:rPr lang="en-US" altLang="zh-CN" dirty="0"/>
+              <a:t>S </a:t>
+            </a:r>
+            <a:r>
+              <a:rPr lang="en-US" altLang="zh-CN" dirty="0" smtClean="0"/>
+              <a:t>Curve[1]</a:t>
+            </a:r>
+            <a:endParaRPr lang="en-US" altLang="zh-CN" dirty="0"/>
+          </a:p>
+          <a:p>
+            <a:endParaRPr lang="zh-CN" altLang="en-US" dirty="0"/>
+          </a:p>
+          <a:p>
+            <a:r>
+              <a:rPr lang="zh-CN" altLang="en-US" dirty="0"/>
+              <a:t>发展阶段（总体）</a:t>
+            </a:r>
+          </a:p>
+          <a:p>
+            <a:endParaRPr lang="zh-CN" altLang="en-US" dirty="0"/>
+          </a:p>
+          <a:p>
+            <a:r>
+              <a:rPr lang="zh-CN" altLang="en-US" dirty="0"/>
+              <a:t>发展历史（分类：仿人，陆地，水下，空中）</a:t>
+            </a:r>
+          </a:p>
+          <a:p>
+            <a:endParaRPr lang="zh-CN" altLang="en-US" dirty="0"/>
+          </a:p>
+          <a:p>
+            <a:r>
+              <a:rPr lang="zh-CN" altLang="en-US" dirty="0"/>
               <a:t>展望</a:t>
             </a:r>
-            <a:endParaRPr lang="zh-CN" altLang="en-US"/>
+          </a:p>
+        </p:txBody>
+      </p:sp>
+      <p:sp>
+        <p:nvSpPr>
+          <p:cNvPr id="4" name="文本框 3"/>
+          <p:cNvSpPr txBox="1"/>
+          <p:nvPr/>
+        </p:nvSpPr>
+        <p:spPr>
+          <a:xfrm>
+            <a:off x="838200" y="6176963"/>
+            <a:ext cx="9573390" cy="461665"/>
+          </a:xfrm>
+          <a:prstGeom prst="rect">
+            <a:avLst/>
+          </a:prstGeom>
+          <a:noFill/>
+        </p:spPr>
+        <p:txBody>
+          <a:bodyPr wrap="none" rtlCol="0">
+            <a:spAutoFit/>
+          </a:bodyPr>
+          <a:lstStyle/>
+          <a:p>
+            <a:r>
+              <a:rPr lang="en-US" altLang="zh-CN" sz="1200" b="1" dirty="0" smtClean="0"/>
+              <a:t>[1]"</a:t>
+            </a:r>
+            <a:r>
+              <a:rPr lang="zh-CN" altLang="en-US" sz="1200" b="1" dirty="0"/>
+              <a:t>仿生机器人</a:t>
+            </a:r>
+            <a:r>
+              <a:rPr lang="en-US" altLang="zh-CN" sz="1200" b="1" dirty="0"/>
+              <a:t>-</a:t>
+            </a:r>
+            <a:r>
+              <a:rPr lang="zh-CN" altLang="en-US" sz="1200" b="1" dirty="0"/>
+              <a:t>中国知网学术关注度检索</a:t>
+            </a:r>
+            <a:r>
+              <a:rPr lang="en-US" altLang="zh-CN" sz="1200" b="1" dirty="0"/>
+              <a:t>." </a:t>
+            </a:r>
+            <a:r>
+              <a:rPr lang="en-US" altLang="zh-CN" sz="1200" b="1" dirty="0" smtClean="0"/>
+              <a:t>from</a:t>
+            </a:r>
+          </a:p>
+          <a:p>
+            <a:r>
+              <a:rPr lang="en-US" altLang="zh-CN" sz="1200" b="1" dirty="0" smtClean="0"/>
+              <a:t> </a:t>
+            </a:r>
+            <a:r>
+              <a:rPr lang="en-US" altLang="zh-CN" sz="1200" b="1" dirty="0">
+                <a:hlinkClick r:id="rId2"/>
+              </a:rPr>
+              <a:t>http://kns.cnki.net/kns/brief/Default_Result.aspx?code=CIDX&amp;kw=%e4%bb%bf%e7%94%9f%e6%9c%ba%e5%99%a8%e4%ba%ba&amp;korder=&amp;sel=1</a:t>
+            </a:r>
+            <a:endParaRPr lang="zh-CN" altLang="en-US" sz="1200" b="1" u="sng" dirty="0">
+              <a:latin typeface="+mn-ea"/>
+            </a:endParaRPr>
           </a:p>
         </p:txBody>
       </p:sp>
@@ -4120,7 +4458,14 @@
         <p:cNvGrpSpPr/>
         <p:nvPr/>
       </p:nvGrpSpPr>
-      <p:grpSpPr/>
+      <p:grpSpPr>
+        <a:xfrm>
+          <a:off x="0" y="0"/>
+          <a:ext cx="0" cy="0"/>
+          <a:chOff x="0" y="0"/>
+          <a:chExt cx="0" cy="0"/>
+        </a:xfrm>
+      </p:grpSpPr>
       <p:sp>
         <p:nvSpPr>
           <p:cNvPr id="3" name="内容占位符 2"/>
@@ -4139,8 +4484,9 @@
         </p:spPr>
         <p:txBody>
           <a:bodyPr>
-            <a:normAutofit fontScale="80000"/>
+            <a:normAutofit fontScale="87500" lnSpcReduction="10000"/>
           </a:bodyPr>
+          <a:lstStyle/>
           <a:p>
             <a:pPr marL="0" indent="0">
               <a:buNone/>
@@ -4149,7 +4495,6 @@
               <a:rPr lang="zh-CN" altLang="en-US"/>
               <a:t>学术关注度</a:t>
             </a:r>
-            <a:endParaRPr lang="zh-CN" altLang="en-US"/>
           </a:p>
         </p:txBody>
       </p:sp>
@@ -4172,7 +4517,7 @@
         </p:spPr>
         <p:txBody>
           <a:bodyPr vert="horz" lIns="91440" tIns="45720" rIns="91440" bIns="45720" rtlCol="0">
-            <a:normAutofit fontScale="80000"/>
+            <a:normAutofit fontScale="87500" lnSpcReduction="10000"/>
           </a:bodyPr>
           <a:lstStyle>
             <a:lvl1pPr marL="228600" indent="-228600" algn="l" defTabSz="914400" rtl="0" eaLnBrk="1" latinLnBrk="0" hangingPunct="1">
@@ -4344,13 +4689,8 @@
             </a:pPr>
             <a:r>
               <a:rPr lang="zh-CN" altLang="en-US"/>
-              <a:t>媒体</a:t>
-            </a:r>
-            <a:r>
-              <a:rPr lang="zh-CN" altLang="en-US"/>
-              <a:t>关注度</a:t>
-            </a:r>
-            <a:endParaRPr lang="zh-CN" altLang="en-US"/>
+              <a:t>媒体关注度</a:t>
+            </a:r>
           </a:p>
         </p:txBody>
       </p:sp>
@@ -4373,7 +4713,7 @@
         </p:spPr>
         <p:txBody>
           <a:bodyPr vert="horz" lIns="91440" tIns="45720" rIns="91440" bIns="45720" rtlCol="0">
-            <a:normAutofit fontScale="80000"/>
+            <a:normAutofit fontScale="87500" lnSpcReduction="10000"/>
           </a:bodyPr>
           <a:lstStyle>
             <a:lvl1pPr marL="228600" indent="-228600" algn="l" defTabSz="914400" rtl="0" eaLnBrk="1" latinLnBrk="0" hangingPunct="1">
@@ -4545,13 +4885,8 @@
             </a:pPr>
             <a:r>
               <a:rPr lang="zh-CN" altLang="en-US"/>
-              <a:t>学术传播</a:t>
-            </a:r>
-            <a:r>
-              <a:rPr lang="zh-CN" altLang="en-US"/>
-              <a:t>度</a:t>
-            </a:r>
-            <a:endParaRPr lang="zh-CN" altLang="en-US"/>
+              <a:t>学术传播度</a:t>
+            </a:r>
           </a:p>
         </p:txBody>
       </p:sp>
@@ -4574,7 +4909,7 @@
         </p:spPr>
         <p:txBody>
           <a:bodyPr vert="horz" lIns="91440" tIns="45720" rIns="91440" bIns="45720" rtlCol="0">
-            <a:normAutofit fontScale="80000"/>
+            <a:normAutofit fontScale="87500" lnSpcReduction="10000"/>
           </a:bodyPr>
           <a:lstStyle>
             <a:lvl1pPr marL="228600" indent="-228600" algn="l" defTabSz="914400" rtl="0" eaLnBrk="1" latinLnBrk="0" hangingPunct="1">
@@ -4746,13 +5081,8 @@
             </a:pPr>
             <a:r>
               <a:rPr lang="zh-CN" altLang="en-US"/>
-              <a:t>用户</a:t>
-            </a:r>
-            <a:r>
-              <a:rPr lang="zh-CN" altLang="en-US"/>
-              <a:t>关注度</a:t>
-            </a:r>
-            <a:endParaRPr lang="zh-CN" altLang="en-US"/>
+              <a:t>用户关注度</a:t>
+            </a:r>
           </a:p>
         </p:txBody>
       </p:sp>
@@ -4765,7 +5095,7 @@
           <p:nvPr/>
         </p:nvPicPr>
         <p:blipFill>
-          <a:blip r:embed="rId1"/>
+          <a:blip r:embed="rId2"/>
           <a:stretch>
             <a:fillRect/>
           </a:stretch>
@@ -4789,7 +5119,7 @@
           <p:nvPr/>
         </p:nvPicPr>
         <p:blipFill>
-          <a:blip r:embed="rId2"/>
+          <a:blip r:embed="rId3"/>
           <a:stretch>
             <a:fillRect/>
           </a:stretch>
@@ -4813,7 +5143,7 @@
           <p:nvPr/>
         </p:nvPicPr>
         <p:blipFill>
-          <a:blip r:embed="rId3"/>
+          <a:blip r:embed="rId4"/>
           <a:stretch>
             <a:fillRect/>
           </a:stretch>
@@ -4837,7 +5167,7 @@
           <p:nvPr/>
         </p:nvPicPr>
         <p:blipFill>
-          <a:blip r:embed="rId4"/>
+          <a:blip r:embed="rId5"/>
           <a:stretch>
             <a:fillRect/>
           </a:stretch>
@@ -4853,6 +5183,11 @@
         </p:spPr>
       </p:pic>
     </p:spTree>
+    <p:extLst>
+      <p:ext uri="{BB962C8B-B14F-4D97-AF65-F5344CB8AC3E}">
+        <p14:creationId xmlns:p14="http://schemas.microsoft.com/office/powerpoint/2010/main" val="49782603"/>
+      </p:ext>
+    </p:extLst>
   </p:cSld>
   <p:clrMapOvr>
     <a:masterClrMapping/>
@@ -4869,7 +5204,14 @@
         <p:cNvGrpSpPr/>
         <p:nvPr/>
       </p:nvGrpSpPr>
-      <p:grpSpPr/>
+      <p:grpSpPr>
+        <a:xfrm>
+          <a:off x="0" y="0"/>
+          <a:ext cx="0" cy="0"/>
+          <a:chOff x="0" y="0"/>
+          <a:chExt cx="0" cy="0"/>
+        </a:xfrm>
+      </p:grpSpPr>
       <p:sp>
         <p:nvSpPr>
           <p:cNvPr id="2" name="标题 1"/>
@@ -4883,12 +5225,17 @@
         <p:spPr/>
         <p:txBody>
           <a:bodyPr/>
-          <a:p>
-            <a:r>
-              <a:rPr lang="zh-CN" altLang="en-US"/>
+          <a:lstStyle/>
+          <a:p>
+            <a:r>
+              <a:rPr lang="zh-CN" altLang="en-US" dirty="0" smtClean="0"/>
               <a:t>发展阶段</a:t>
             </a:r>
-            <a:endParaRPr lang="zh-CN" altLang="en-US"/>
+            <a:r>
+              <a:rPr lang="en-US" altLang="zh-CN" dirty="0" smtClean="0"/>
+              <a:t>[2]</a:t>
+            </a:r>
+            <a:endParaRPr lang="zh-CN" altLang="en-US" dirty="0"/>
           </a:p>
         </p:txBody>
       </p:sp>
@@ -4905,32 +5252,136 @@
         <p:spPr/>
         <p:txBody>
           <a:bodyPr/>
-          <a:p>
-            <a:r>
-              <a:rPr lang="zh-CN" altLang="en-US"/>
+          <a:lstStyle/>
+          <a:p>
+            <a:r>
+              <a:rPr lang="zh-CN" altLang="en-US" dirty="0"/>
               <a:t>第一阶段：原始探索时期，该阶段主要是生物原型的原始模仿，靠人力驱动。</a:t>
             </a:r>
-            <a:endParaRPr lang="zh-CN" altLang="en-US"/>
-          </a:p>
-          <a:p>
-            <a:endParaRPr lang="zh-CN" altLang="en-US"/>
-          </a:p>
-          <a:p>
-            <a:r>
-              <a:rPr lang="zh-CN" altLang="en-US"/>
+          </a:p>
+          <a:p>
+            <a:endParaRPr lang="zh-CN" altLang="en-US" dirty="0"/>
+          </a:p>
+          <a:p>
+            <a:r>
+              <a:rPr lang="zh-CN" altLang="en-US" dirty="0"/>
               <a:t>第二个阶段：宏观仿形与运动仿生阶段。该阶段主要是利用机电系统实现诸如行走、跳跃、飞行等生物功能，并实现了一定程度的人为控制。</a:t>
             </a:r>
-            <a:endParaRPr lang="zh-CN" altLang="en-US"/>
-          </a:p>
-          <a:p>
-            <a:endParaRPr lang="zh-CN" altLang="en-US"/>
-          </a:p>
-          <a:p>
-            <a:r>
-              <a:rPr lang="zh-CN" altLang="en-US"/>
+          </a:p>
+          <a:p>
+            <a:endParaRPr lang="zh-CN" altLang="en-US" dirty="0"/>
+          </a:p>
+          <a:p>
+            <a:r>
+              <a:rPr lang="zh-CN" altLang="en-US" dirty="0"/>
               <a:t>第三个阶段：机电系统开始与生物性能进行部分融合，如传统结构与仿生材料的融合以及仿生驱动的运用。</a:t>
             </a:r>
-            <a:endParaRPr lang="zh-CN" altLang="en-US"/>
+          </a:p>
+        </p:txBody>
+      </p:sp>
+      <p:sp>
+        <p:nvSpPr>
+          <p:cNvPr id="4" name="文本框 3"/>
+          <p:cNvSpPr txBox="1"/>
+          <p:nvPr/>
+        </p:nvSpPr>
+        <p:spPr>
+          <a:xfrm>
+            <a:off x="838200" y="6176963"/>
+            <a:ext cx="8688597" cy="461665"/>
+          </a:xfrm>
+          <a:prstGeom prst="rect">
+            <a:avLst/>
+          </a:prstGeom>
+          <a:noFill/>
+        </p:spPr>
+        <p:txBody>
+          <a:bodyPr wrap="none" rtlCol="0">
+            <a:spAutoFit/>
+          </a:bodyPr>
+          <a:lstStyle/>
+          <a:p>
+            <a:r>
+              <a:rPr lang="en-US" altLang="zh-CN" sz="1200" b="1" dirty="0" smtClean="0"/>
+              <a:t>[2]</a:t>
+            </a:r>
+            <a:r>
+              <a:rPr lang="zh-CN" altLang="en-US" sz="1200" b="1" dirty="0" smtClean="0"/>
+              <a:t>王国</a:t>
+            </a:r>
+            <a:r>
+              <a:rPr lang="zh-CN" altLang="en-US" sz="1200" b="1" dirty="0"/>
+              <a:t>彪</a:t>
+            </a:r>
+            <a:r>
+              <a:rPr lang="en-US" altLang="zh-CN" sz="1200" b="1" dirty="0"/>
+              <a:t>,</a:t>
+            </a:r>
+            <a:r>
+              <a:rPr lang="zh-CN" altLang="en-US" sz="1200" b="1" dirty="0"/>
+              <a:t>陈殿生</a:t>
+            </a:r>
+            <a:r>
+              <a:rPr lang="en-US" altLang="zh-CN" sz="1200" b="1" dirty="0"/>
+              <a:t>,</a:t>
+            </a:r>
+            <a:r>
+              <a:rPr lang="zh-CN" altLang="en-US" sz="1200" b="1" dirty="0"/>
+              <a:t>陈科位</a:t>
+            </a:r>
+            <a:r>
+              <a:rPr lang="en-US" altLang="zh-CN" sz="1200" b="1" dirty="0"/>
+              <a:t>,</a:t>
+            </a:r>
+            <a:r>
+              <a:rPr lang="zh-CN" altLang="en-US" sz="1200" b="1" dirty="0"/>
+              <a:t>张自强</a:t>
+            </a:r>
+            <a:r>
+              <a:rPr lang="en-US" altLang="zh-CN" sz="1200" b="1" dirty="0"/>
+              <a:t>. </a:t>
+            </a:r>
+            <a:r>
+              <a:rPr lang="zh-CN" altLang="en-US" sz="1200" b="1" dirty="0"/>
+              <a:t>仿生机器人研究现状与发展趋势</a:t>
+            </a:r>
+            <a:r>
+              <a:rPr lang="en-US" altLang="zh-CN" sz="1200" b="1" dirty="0"/>
+              <a:t>[J]. </a:t>
+            </a:r>
+            <a:r>
+              <a:rPr lang="zh-CN" altLang="en-US" sz="1200" b="1" dirty="0"/>
+              <a:t>机械工程学报</a:t>
+            </a:r>
+            <a:r>
+              <a:rPr lang="en-US" altLang="zh-CN" sz="1200" b="1" dirty="0"/>
+              <a:t>,2015,51(13):27-44. (2015-06-08)[2017-10-12</a:t>
+            </a:r>
+            <a:r>
+              <a:rPr lang="en-US" altLang="zh-CN" sz="1200" b="1" dirty="0" smtClean="0"/>
+              <a:t>]</a:t>
+            </a:r>
+          </a:p>
+          <a:p>
+            <a:r>
+              <a:rPr lang="en-US" altLang="zh-CN" sz="1200" b="1" u="sng" dirty="0" smtClean="0">
+                <a:hlinkClick r:id="rId2"/>
+              </a:rPr>
+              <a:t>            http</a:t>
+            </a:r>
+            <a:r>
+              <a:rPr lang="en-US" altLang="zh-CN" sz="1200" b="1" u="sng" dirty="0">
+                <a:hlinkClick r:id="rId2"/>
+              </a:rPr>
+              <a:t>://kns.cnki.net/kcms/detail/11.2187.th.20150608.1027.029.html</a:t>
+            </a:r>
+            <a:r>
+              <a:rPr lang="zh-CN" altLang="en-US" sz="1200" b="1" u="sng" dirty="0"/>
+              <a:t> </a:t>
+            </a:r>
+            <a:endParaRPr lang="zh-CN" altLang="en-US" sz="1200" b="1" u="sng" dirty="0">
+              <a:latin typeface="+mn-ea"/>
+            </a:endParaRPr>
           </a:p>
         </p:txBody>
       </p:sp>
@@ -4939,6 +5390,13 @@
   <p:clrMapOvr>
     <a:masterClrMapping/>
   </p:clrMapOvr>
+  <p:timing>
+    <p:tnLst>
+      <p:par>
+        <p:cTn id="1" dur="indefinite" restart="never" nodeType="tmRoot"/>
+      </p:par>
+    </p:tnLst>
+  </p:timing>
 </p:sld>
 </file>
 
@@ -4951,7 +5409,14 @@
         <p:cNvGrpSpPr/>
         <p:nvPr/>
       </p:nvGrpSpPr>
-      <p:grpSpPr/>
+      <p:grpSpPr>
+        <a:xfrm>
+          <a:off x="0" y="0"/>
+          <a:ext cx="0" cy="0"/>
+          <a:chOff x="0" y="0"/>
+          <a:chExt cx="0" cy="0"/>
+        </a:xfrm>
+      </p:grpSpPr>
       <p:sp>
         <p:nvSpPr>
           <p:cNvPr id="2" name="标题 1"/>
@@ -4965,12 +5430,12 @@
         <p:spPr/>
         <p:txBody>
           <a:bodyPr/>
+          <a:lstStyle/>
           <a:p>
             <a:r>
               <a:rPr lang="zh-CN" altLang="en-US"/>
               <a:t>仿人机器人</a:t>
             </a:r>
-            <a:endParaRPr lang="zh-CN" altLang="en-US"/>
           </a:p>
         </p:txBody>
       </p:sp>
@@ -4987,8 +5452,9 @@
         <p:spPr/>
         <p:txBody>
           <a:bodyPr>
-            <a:normAutofit fontScale="50000"/>
+            <a:normAutofit fontScale="57500" lnSpcReduction="20000"/>
           </a:bodyPr>
+          <a:lstStyle/>
           <a:p>
             <a:pPr fontAlgn="auto">
               <a:lnSpc>
@@ -4996,10 +5462,9 @@
               </a:lnSpc>
             </a:pPr>
             <a:r>
-              <a:rPr lang="zh-CN" altLang="en-US"/>
+              <a:rPr lang="zh-CN" altLang="en-US" dirty="0"/>
               <a:t>第一阶段：</a:t>
             </a:r>
-            <a:endParaRPr lang="zh-CN" altLang="en-US"/>
           </a:p>
           <a:p>
             <a:pPr fontAlgn="auto">
@@ -5008,34 +5473,33 @@
               </a:lnSpc>
             </a:pPr>
             <a:r>
-              <a:rPr lang="zh-CN" altLang="en-US"/>
+              <a:rPr lang="zh-CN" altLang="en-US" dirty="0"/>
               <a:t>仿人机器人的研究开始于上世纪60年代末。</a:t>
             </a:r>
             <a:r>
-              <a:rPr lang="zh-CN" altLang="en-US" b="1"/>
+              <a:rPr lang="zh-CN" altLang="en-US" b="1" dirty="0"/>
               <a:t>1968年</a:t>
             </a:r>
             <a:r>
-              <a:rPr lang="zh-CN" altLang="en-US"/>
+              <a:rPr lang="zh-CN" altLang="en-US" dirty="0"/>
               <a:t>,美国的</a:t>
             </a:r>
             <a:r>
-              <a:rPr lang="zh-CN" altLang="en-US" b="1"/>
+              <a:rPr lang="zh-CN" altLang="en-US" b="1" dirty="0"/>
               <a:t>通用电气公司</a:t>
             </a:r>
             <a:r>
-              <a:rPr lang="zh-CN" altLang="en-US"/>
+              <a:rPr lang="zh-CN" altLang="en-US" dirty="0"/>
               <a:t>试制了一台叫</a:t>
             </a:r>
             <a:r>
-              <a:rPr lang="zh-CN" altLang="en-US" b="1"/>
+              <a:rPr lang="zh-CN" altLang="en-US" b="1" dirty="0"/>
               <a:t>“ Rig”的操纵型双足步行机器人机械</a:t>
             </a:r>
             <a:r>
-              <a:rPr lang="zh-CN" altLang="en-US"/>
+              <a:rPr lang="zh-CN" altLang="en-US" dirty="0"/>
               <a:t>,从而揭开了仿人机器人研制的序幕。</a:t>
             </a:r>
-            <a:endParaRPr lang="zh-CN" altLang="en-US"/>
           </a:p>
           <a:p>
             <a:pPr fontAlgn="auto">
@@ -5044,10 +5508,9 @@
               </a:lnSpc>
             </a:pPr>
             <a:r>
-              <a:rPr lang="zh-CN" altLang="en-US"/>
+              <a:rPr lang="zh-CN" altLang="en-US" dirty="0"/>
               <a:t>第二阶段：</a:t>
             </a:r>
-            <a:endParaRPr lang="zh-CN" altLang="en-US"/>
           </a:p>
           <a:p>
             <a:pPr fontAlgn="auto">
@@ -5056,26 +5519,25 @@
               </a:lnSpc>
             </a:pPr>
             <a:r>
-              <a:rPr lang="zh-CN" altLang="en-US"/>
+              <a:rPr lang="zh-CN" altLang="en-US" dirty="0"/>
               <a:t>从1968年开始,日本早稻田大学</a:t>
             </a:r>
             <a:r>
-              <a:rPr lang="zh-CN" altLang="en-US" b="1"/>
+              <a:rPr lang="zh-CN" altLang="en-US" b="1" dirty="0"/>
               <a:t>加藤一郎</a:t>
             </a:r>
             <a:r>
-              <a:rPr lang="zh-CN" altLang="en-US"/>
+              <a:rPr lang="zh-CN" altLang="en-US" dirty="0"/>
               <a:t>教授在日本首先展开了双足机器人的研制工作。其研究成果有WAP-3型双足机器人、WL-5双足步行机器人、WL-12DR双足机器人等，实现了双足步行机器人</a:t>
             </a:r>
             <a:r>
-              <a:rPr lang="zh-CN" altLang="en-US" b="1"/>
+              <a:rPr lang="zh-CN" altLang="en-US" b="1" dirty="0"/>
               <a:t>从静态行走到动态行走</a:t>
             </a:r>
             <a:r>
-              <a:rPr lang="zh-CN" altLang="en-US"/>
+              <a:rPr lang="zh-CN" altLang="en-US" dirty="0"/>
               <a:t>的跨越。</a:t>
             </a:r>
-            <a:endParaRPr lang="zh-CN" altLang="en-US"/>
           </a:p>
           <a:p>
             <a:pPr fontAlgn="auto">
@@ -5084,22 +5546,34 @@
               </a:lnSpc>
             </a:pPr>
             <a:r>
-              <a:rPr lang="zh-CN" altLang="en-US" b="1"/>
+              <a:rPr lang="zh-CN" altLang="en-US" b="1" dirty="0"/>
               <a:t>1973年</a:t>
             </a:r>
             <a:r>
-              <a:rPr lang="zh-CN" altLang="en-US"/>
+              <a:rPr lang="zh-CN" altLang="en-US" dirty="0"/>
               <a:t>，日本早稻田大学发明世界上</a:t>
             </a:r>
             <a:r>
-              <a:rPr lang="zh-CN" altLang="en-US" b="1"/>
+              <a:rPr lang="zh-CN" altLang="en-US" b="1" dirty="0"/>
               <a:t>第一个真人大小的人形机器人Wabot-1</a:t>
             </a:r>
             <a:r>
-              <a:rPr lang="zh-CN" altLang="en-US"/>
-              <a:t>，它融合肢体运动控制系统、视觉系统和沟通平台于一身，内部的传感器使其可以测量到物体的距离和方向，机器人可以行走甚至使用带有触觉传感器的手臂抓住并移动物体。[5]</a:t>
-            </a:r>
-            <a:endParaRPr lang="zh-CN" altLang="en-US"/>
+              <a:rPr lang="zh-CN" altLang="en-US" dirty="0"/>
+              <a:t>，它融合肢体运动控制系统、视觉系统和沟通平台于一身，内部的传感器使其可以测量到物体的距离和方向，机器人可以行走甚至使用带有触觉传感器的手臂抓住并移动物体。</a:t>
+            </a:r>
+            <a:r>
+              <a:rPr lang="zh-CN" altLang="en-US" dirty="0" smtClean="0"/>
+              <a:t>[</a:t>
+            </a:r>
+            <a:r>
+              <a:rPr lang="en-US" altLang="zh-CN" dirty="0" smtClean="0"/>
+              <a:t>3</a:t>
+            </a:r>
+            <a:r>
+              <a:rPr lang="zh-CN" altLang="en-US" dirty="0" smtClean="0"/>
+              <a:t>]</a:t>
+            </a:r>
+            <a:endParaRPr lang="zh-CN" altLang="en-US" dirty="0"/>
           </a:p>
           <a:p>
             <a:pPr fontAlgn="auto">
@@ -5108,30 +5582,29 @@
               </a:lnSpc>
             </a:pPr>
             <a:r>
-              <a:rPr lang="zh-CN" altLang="en-US" b="1"/>
+              <a:rPr lang="zh-CN" altLang="en-US" b="1" dirty="0"/>
               <a:t>1986年</a:t>
             </a:r>
             <a:r>
-              <a:rPr lang="zh-CN" altLang="en-US"/>
+              <a:rPr lang="zh-CN" altLang="en-US" dirty="0"/>
               <a:t>，美籍华人</a:t>
             </a:r>
             <a:r>
-              <a:rPr lang="zh-CN" altLang="en-US" b="1"/>
+              <a:rPr lang="zh-CN" altLang="en-US" b="1" dirty="0"/>
               <a:t>郑元芳</a:t>
             </a:r>
             <a:r>
-              <a:rPr lang="zh-CN" altLang="en-US"/>
+              <a:rPr lang="zh-CN" altLang="en-US" dirty="0"/>
               <a:t>博士研制出了美国</a:t>
             </a:r>
             <a:r>
-              <a:rPr lang="zh-CN" altLang="en-US" b="1"/>
+              <a:rPr lang="zh-CN" altLang="en-US" b="1" dirty="0"/>
               <a:t>第一台双足步行机器人</a:t>
             </a:r>
             <a:r>
-              <a:rPr lang="zh-CN" altLang="en-US"/>
+              <a:rPr lang="zh-CN" altLang="en-US" dirty="0"/>
               <a:t>SD-1 以及其改进版SD-2。</a:t>
             </a:r>
-            <a:endParaRPr lang="zh-CN" altLang="en-US"/>
           </a:p>
           <a:p>
             <a:pPr fontAlgn="auto">
@@ -5140,30 +5613,123 @@
               </a:lnSpc>
             </a:pPr>
             <a:r>
-              <a:rPr lang="zh-CN" altLang="en-US" b="1"/>
+              <a:rPr lang="zh-CN" altLang="en-US" b="1" dirty="0"/>
               <a:t>2003年</a:t>
             </a:r>
             <a:r>
-              <a:rPr lang="zh-CN" altLang="en-US"/>
+              <a:rPr lang="zh-CN" altLang="en-US" dirty="0"/>
               <a:t>，</a:t>
             </a:r>
             <a:r>
-              <a:rPr lang="zh-CN" altLang="en-US" b="1"/>
+              <a:rPr lang="zh-CN" altLang="en-US" b="1" dirty="0"/>
               <a:t>索尼公司</a:t>
             </a:r>
             <a:r>
-              <a:rPr lang="zh-CN" altLang="en-US"/>
+              <a:rPr lang="zh-CN" altLang="en-US" dirty="0"/>
               <a:t>推出的“QRIO”机器人首次实现了</a:t>
             </a:r>
             <a:r>
-              <a:rPr lang="zh-CN" altLang="en-US" b="1"/>
+              <a:rPr lang="zh-CN" altLang="en-US" b="1" dirty="0"/>
               <a:t>仿人机器人的跑动</a:t>
             </a:r>
             <a:r>
-              <a:rPr lang="zh-CN" altLang="en-US"/>
+              <a:rPr lang="zh-CN" altLang="en-US" dirty="0"/>
               <a:t>。</a:t>
             </a:r>
-            <a:endParaRPr lang="zh-CN" altLang="en-US"/>
+          </a:p>
+        </p:txBody>
+      </p:sp>
+      <p:sp>
+        <p:nvSpPr>
+          <p:cNvPr id="4" name="文本框 3"/>
+          <p:cNvSpPr txBox="1"/>
+          <p:nvPr/>
+        </p:nvSpPr>
+        <p:spPr>
+          <a:xfrm>
+            <a:off x="838200" y="6173400"/>
+            <a:ext cx="8725466" cy="276999"/>
+          </a:xfrm>
+          <a:prstGeom prst="rect">
+            <a:avLst/>
+          </a:prstGeom>
+          <a:noFill/>
+        </p:spPr>
+        <p:txBody>
+          <a:bodyPr wrap="none" rtlCol="0">
+            <a:spAutoFit/>
+          </a:bodyPr>
+          <a:lstStyle/>
+          <a:p>
+            <a:r>
+              <a:rPr lang="en-US" altLang="zh-CN" sz="1200" b="1" dirty="0" smtClean="0">
+                <a:latin typeface="+mn-ea"/>
+              </a:rPr>
+              <a:t>[3]</a:t>
+            </a:r>
+            <a:r>
+              <a:rPr lang="zh-CN" altLang="en-US" sz="1200" b="1" dirty="0" smtClean="0">
+                <a:latin typeface="+mn-ea"/>
+              </a:rPr>
+              <a:t>周骥平</a:t>
+            </a:r>
+            <a:r>
+              <a:rPr lang="en-US" altLang="zh-CN" sz="1200" b="1" dirty="0">
+                <a:latin typeface="+mn-ea"/>
+              </a:rPr>
+              <a:t>,</a:t>
+            </a:r>
+            <a:r>
+              <a:rPr lang="zh-CN" altLang="en-US" sz="1200" b="1" dirty="0">
+                <a:latin typeface="+mn-ea"/>
+              </a:rPr>
+              <a:t>武立新</a:t>
+            </a:r>
+            <a:r>
+              <a:rPr lang="en-US" altLang="zh-CN" sz="1200" b="1" dirty="0">
+                <a:latin typeface="+mn-ea"/>
+              </a:rPr>
+              <a:t>,</a:t>
+            </a:r>
+            <a:r>
+              <a:rPr lang="zh-CN" altLang="en-US" sz="1200" b="1" dirty="0">
+                <a:latin typeface="+mn-ea"/>
+              </a:rPr>
+              <a:t>朱兴龙</a:t>
+            </a:r>
+            <a:r>
+              <a:rPr lang="en-US" altLang="zh-CN" sz="1200" b="1" dirty="0">
+                <a:latin typeface="+mn-ea"/>
+              </a:rPr>
+              <a:t>. </a:t>
+            </a:r>
+            <a:r>
+              <a:rPr lang="zh-CN" altLang="en-US" sz="1200" b="1" dirty="0">
+                <a:latin typeface="+mn-ea"/>
+              </a:rPr>
+              <a:t>仿生扑翼飞行器的研究现状及关键技术</a:t>
+            </a:r>
+            <a:r>
+              <a:rPr lang="en-US" altLang="zh-CN" sz="1200" b="1" dirty="0">
+                <a:latin typeface="+mn-ea"/>
+              </a:rPr>
+              <a:t>[J]. </a:t>
+            </a:r>
+            <a:r>
+              <a:rPr lang="zh-CN" altLang="en-US" sz="1200" b="1" dirty="0">
+                <a:latin typeface="+mn-ea"/>
+              </a:rPr>
+              <a:t>机器人技术与应用</a:t>
+            </a:r>
+            <a:r>
+              <a:rPr lang="en-US" altLang="zh-CN" sz="1200" b="1" dirty="0">
+                <a:latin typeface="+mn-ea"/>
+              </a:rPr>
+              <a:t>,2004,(06):12-17. [2017-10-12].</a:t>
+            </a:r>
+            <a:endParaRPr lang="zh-CN" altLang="en-US" sz="1200" b="1" dirty="0">
+              <a:latin typeface="+mn-ea"/>
+            </a:endParaRPr>
           </a:p>
         </p:txBody>
       </p:sp>
@@ -5172,6 +5738,13 @@
   <p:clrMapOvr>
     <a:masterClrMapping/>
   </p:clrMapOvr>
+  <p:timing>
+    <p:tnLst>
+      <p:par>
+        <p:cTn id="1" dur="indefinite" restart="never" nodeType="tmRoot"/>
+      </p:par>
+    </p:tnLst>
+  </p:timing>
 </p:sld>
 </file>
 
@@ -5184,7 +5757,14 @@
         <p:cNvGrpSpPr/>
         <p:nvPr/>
       </p:nvGrpSpPr>
-      <p:grpSpPr/>
+      <p:grpSpPr>
+        <a:xfrm>
+          <a:off x="0" y="0"/>
+          <a:ext cx="0" cy="0"/>
+          <a:chOff x="0" y="0"/>
+          <a:chExt cx="0" cy="0"/>
+        </a:xfrm>
+      </p:grpSpPr>
       <p:sp>
         <p:nvSpPr>
           <p:cNvPr id="2" name="标题 1"/>
@@ -5198,12 +5778,12 @@
         <p:spPr/>
         <p:txBody>
           <a:bodyPr/>
+          <a:lstStyle/>
           <a:p>
             <a:r>
               <a:rPr lang="zh-CN" altLang="en-US"/>
               <a:t>第三阶段</a:t>
             </a:r>
-            <a:endParaRPr lang="zh-CN" altLang="en-US"/>
           </a:p>
         </p:txBody>
       </p:sp>
@@ -5227,6 +5807,7 @@
           <a:bodyPr>
             <a:noAutofit/>
           </a:bodyPr>
+          <a:lstStyle/>
           <a:p>
             <a:pPr marL="0" indent="0" fontAlgn="auto">
               <a:lnSpc>
@@ -5234,7 +5815,7 @@
               </a:lnSpc>
               <a:buNone/>
             </a:pPr>
-            <a:endParaRPr lang="zh-CN" altLang="en-US" sz="2500"/>
+            <a:endParaRPr lang="zh-CN" altLang="en-US" sz="2500" dirty="0"/>
           </a:p>
           <a:p>
             <a:pPr marL="0" indent="0" fontAlgn="auto">
@@ -5244,34 +5825,49 @@
               <a:buNone/>
             </a:pPr>
             <a:r>
-              <a:rPr lang="en-US" altLang="zh-CN" sz="1400"/>
+              <a:rPr lang="en-US" altLang="zh-CN" sz="1400" dirty="0"/>
               <a:t>1.</a:t>
             </a:r>
             <a:r>
-              <a:rPr lang="zh-CN" altLang="en-US" sz="1400" b="1"/>
+              <a:rPr lang="zh-CN" altLang="en-US" sz="1400" b="1" dirty="0"/>
               <a:t>Vukobartvoi博士</a:t>
             </a:r>
             <a:r>
-              <a:rPr lang="zh-CN" altLang="en-US" sz="1400"/>
+              <a:rPr lang="zh-CN" altLang="en-US" sz="1400" dirty="0"/>
               <a:t>在70年代对两足步行机器人的</a:t>
             </a:r>
             <a:r>
-              <a:rPr lang="zh-CN" altLang="en-US" sz="1400" b="1"/>
+              <a:rPr lang="zh-CN" altLang="en-US" sz="1400" b="1" dirty="0"/>
               <a:t>控制理论做出重大贡献</a:t>
             </a:r>
             <a:r>
-              <a:rPr lang="zh-CN" altLang="en-US" sz="1400"/>
-              <a:t>。[3] 他的贡献包括提出了用欧拉角描述两足步行系统的通用数学模型；研究了类人型两足步行系统在单脚和双脚支撑期机构的特点,并建立了从运动副组合到关节力矩计算等各项运算的KINPAIR算法；和</a:t>
-            </a:r>
-            <a:r>
-              <a:rPr lang="zh-CN" altLang="en-US" sz="1400" b="1"/>
+              <a:rPr lang="zh-CN" altLang="en-US" sz="1400" dirty="0"/>
+              <a:t>。</a:t>
+            </a:r>
+            <a:r>
+              <a:rPr lang="zh-CN" altLang="en-US" sz="1400" dirty="0" smtClean="0"/>
+              <a:t>[</a:t>
+            </a:r>
+            <a:r>
+              <a:rPr lang="en-US" altLang="zh-CN" sz="1400" dirty="0" smtClean="0"/>
+              <a:t>4</a:t>
+            </a:r>
+            <a:r>
+              <a:rPr lang="zh-CN" altLang="en-US" sz="1400" dirty="0" smtClean="0"/>
+              <a:t>] </a:t>
+            </a:r>
+            <a:r>
+              <a:rPr lang="zh-CN" altLang="en-US" sz="1400" dirty="0"/>
+              <a:t>他的贡献包括提出了用欧拉角描述两足步行系统的通用数学模型；研究了类人型两足步行系统在单脚和双脚支撑期机构的特点,并建立了从运动副组合到关节力矩计算等各项运算的KINPAIR算法；和</a:t>
+            </a:r>
+            <a:r>
+              <a:rPr lang="zh-CN" altLang="en-US" sz="1400" b="1" dirty="0"/>
               <a:t>Stepanenko博士</a:t>
             </a:r>
             <a:r>
-              <a:rPr lang="zh-CN" altLang="en-US" sz="1400"/>
+              <a:rPr lang="zh-CN" altLang="en-US" sz="1400" dirty="0"/>
               <a:t>一起在1972年提出 “零力矩点ZMP”的概念等。</a:t>
             </a:r>
-            <a:endParaRPr lang="zh-CN" altLang="en-US" sz="1400"/>
           </a:p>
           <a:p>
             <a:pPr marL="0" indent="0" fontAlgn="auto">
@@ -5281,38 +5877,37 @@
               <a:buNone/>
             </a:pPr>
             <a:r>
-              <a:rPr lang="en-US" altLang="zh-CN" sz="1400"/>
+              <a:rPr lang="en-US" altLang="zh-CN" sz="1400" dirty="0"/>
               <a:t>2.</a:t>
             </a:r>
             <a:r>
-              <a:rPr lang="zh-CN" altLang="en-US" sz="1400"/>
+              <a:rPr lang="zh-CN" altLang="en-US" sz="1400" dirty="0"/>
               <a:t>美国Ohio大学的</a:t>
             </a:r>
             <a:r>
-              <a:rPr lang="zh-CN" altLang="en-US" sz="1400" b="1"/>
+              <a:rPr lang="zh-CN" altLang="en-US" sz="1400" b="1" dirty="0"/>
               <a:t>Y.F.Zheng</a:t>
             </a:r>
             <a:r>
-              <a:rPr lang="zh-CN" altLang="en-US" sz="1400"/>
+              <a:rPr lang="zh-CN" altLang="en-US" sz="1400" dirty="0"/>
               <a:t>等人于</a:t>
             </a:r>
             <a:r>
-              <a:rPr lang="zh-CN" altLang="en-US" sz="1400" b="1"/>
+              <a:rPr lang="zh-CN" altLang="en-US" sz="1400" b="1" dirty="0"/>
               <a:t>1990年</a:t>
             </a:r>
             <a:r>
-              <a:rPr lang="zh-CN" altLang="en-US" sz="1400"/>
+              <a:rPr lang="zh-CN" altLang="en-US" sz="1400" dirty="0"/>
               <a:t>提出</a:t>
             </a:r>
             <a:r>
-              <a:rPr lang="zh-CN" altLang="en-US" sz="1400" b="1"/>
+              <a:rPr lang="zh-CN" altLang="en-US" sz="1400" b="1" dirty="0"/>
               <a:t>用神经网络来实现双足步行机器人动态步行</a:t>
             </a:r>
             <a:r>
-              <a:rPr lang="zh-CN" altLang="en-US" sz="1400"/>
+              <a:rPr lang="zh-CN" altLang="en-US" sz="1400" dirty="0"/>
               <a:t>,并在SD-1双足步行机器人中得以实现。</a:t>
             </a:r>
-            <a:endParaRPr lang="zh-CN" altLang="en-US" sz="1400"/>
           </a:p>
           <a:p>
             <a:pPr marL="0" indent="0" fontAlgn="auto">
@@ -5322,50 +5917,62 @@
               <a:buNone/>
             </a:pPr>
             <a:r>
-              <a:rPr lang="en-US" altLang="zh-CN" sz="1400"/>
+              <a:rPr lang="en-US" altLang="zh-CN" sz="1400" dirty="0"/>
               <a:t>3.</a:t>
             </a:r>
             <a:r>
-              <a:rPr lang="zh-CN" altLang="en-US" sz="1400" b="1"/>
+              <a:rPr lang="zh-CN" altLang="en-US" sz="1400" b="1" dirty="0"/>
               <a:t>2000年</a:t>
             </a:r>
             <a:r>
-              <a:rPr lang="zh-CN" altLang="en-US" sz="1400"/>
+              <a:rPr lang="zh-CN" altLang="en-US" sz="1400" dirty="0"/>
               <a:t>，</a:t>
             </a:r>
             <a:r>
-              <a:rPr lang="zh-CN" altLang="en-US" sz="1400" b="1"/>
+              <a:rPr lang="zh-CN" altLang="en-US" sz="1400" b="1" dirty="0"/>
               <a:t>日本本田技研工业株式会社</a:t>
             </a:r>
             <a:r>
-              <a:rPr lang="zh-CN" altLang="en-US" sz="1400"/>
+              <a:rPr lang="zh-CN" altLang="en-US" sz="1400" dirty="0"/>
               <a:t>研制出具有划时代意义的智能仿人机器人Asimo，它已经可以同时</a:t>
             </a:r>
             <a:r>
-              <a:rPr lang="zh-CN" altLang="en-US" sz="1400" b="1"/>
+              <a:rPr lang="zh-CN" altLang="en-US" sz="1400" b="1" dirty="0"/>
               <a:t>与多人进行对话</a:t>
             </a:r>
             <a:r>
-              <a:rPr lang="zh-CN" altLang="en-US" sz="1400"/>
+              <a:rPr lang="zh-CN" altLang="en-US" sz="1400" dirty="0"/>
               <a:t>；遭遇其他正在行动中的人时，会</a:t>
             </a:r>
             <a:r>
-              <a:rPr lang="zh-CN" altLang="en-US" sz="1400" b="1"/>
+              <a:rPr lang="zh-CN" altLang="en-US" sz="1400" b="1" dirty="0"/>
               <a:t>预测对方行进方向及速度</a:t>
             </a:r>
             <a:r>
-              <a:rPr lang="zh-CN" altLang="en-US" sz="1400"/>
+              <a:rPr lang="zh-CN" altLang="en-US" sz="1400" dirty="0"/>
               <a:t>，自行预先计算替代路线以免与对方相撞。腿部的运动能力及活动范围不仅可以步行、奔跑、倒退走，还可以单脚跳跃、双脚跳跃，更能边跳跃边变换方向，也可以在些微不平的地面行走。它的手部可转开水瓶、握住纸杯、进行倒水，手指动作更纤细，甚至可以边说话边以手语表现说话内容。这使仿人机器人的研制和生产正式走向</a:t>
             </a:r>
             <a:r>
-              <a:rPr lang="zh-CN" altLang="en-US" sz="1400" b="1"/>
+              <a:rPr lang="zh-CN" altLang="en-US" sz="1400" b="1" dirty="0"/>
               <a:t>实用化、工程化和市场化</a:t>
             </a:r>
             <a:r>
-              <a:rPr lang="zh-CN" altLang="en-US" sz="1400"/>
-              <a:t>。[6]</a:t>
-            </a:r>
-            <a:endParaRPr lang="zh-CN" altLang="en-US" sz="1400"/>
+              <a:rPr lang="zh-CN" altLang="en-US" sz="1400" dirty="0"/>
+              <a:t>。</a:t>
+            </a:r>
+            <a:r>
+              <a:rPr lang="zh-CN" altLang="en-US" sz="1400" dirty="0" smtClean="0"/>
+              <a:t>[</a:t>
+            </a:r>
+            <a:r>
+              <a:rPr lang="en-US" altLang="zh-CN" sz="1400" dirty="0" smtClean="0"/>
+              <a:t>5</a:t>
+            </a:r>
+            <a:r>
+              <a:rPr lang="zh-CN" altLang="en-US" sz="1400" dirty="0" smtClean="0"/>
+              <a:t>]</a:t>
+            </a:r>
+            <a:endParaRPr lang="zh-CN" altLang="en-US" sz="1400" dirty="0"/>
           </a:p>
           <a:p>
             <a:pPr marL="0" indent="0" fontAlgn="auto">
@@ -5375,34 +5982,33 @@
               <a:buNone/>
             </a:pPr>
             <a:r>
-              <a:rPr lang="en-US" altLang="zh-CN" sz="1400"/>
+              <a:rPr lang="en-US" altLang="zh-CN" sz="1400" dirty="0"/>
               <a:t>4.</a:t>
             </a:r>
             <a:r>
-              <a:rPr lang="zh-CN" altLang="en-US" sz="1400" b="1"/>
+              <a:rPr lang="zh-CN" altLang="en-US" sz="1400" b="1" dirty="0"/>
               <a:t>2011年</a:t>
             </a:r>
             <a:r>
-              <a:rPr lang="zh-CN" altLang="en-US" sz="1400"/>
+              <a:rPr lang="zh-CN" altLang="en-US" sz="1400" dirty="0"/>
               <a:t>，发布的“ASIMO2011”机器人，综合了</a:t>
             </a:r>
             <a:r>
-              <a:rPr lang="zh-CN" altLang="en-US" sz="1400" b="1"/>
+              <a:rPr lang="zh-CN" altLang="en-US" sz="1400" b="1" dirty="0"/>
               <a:t>视觉和触觉的物体识别技术</a:t>
             </a:r>
             <a:r>
-              <a:rPr lang="zh-CN" altLang="en-US" sz="1400"/>
+              <a:rPr lang="zh-CN" altLang="en-US" sz="1400" dirty="0"/>
               <a:t>，可进行细致作业，如拿起瓶子拧开瓶盖，将瓶中液体注入柔软纸杯等，还能依据人类的声音、手势等指令，来从事相应动作，此外，还具备了</a:t>
             </a:r>
             <a:r>
-              <a:rPr lang="zh-CN" altLang="en-US" sz="1400" b="1"/>
+              <a:rPr lang="zh-CN" altLang="en-US" sz="1400" b="1" dirty="0"/>
               <a:t>基本的记忆与辨识能力</a:t>
             </a:r>
             <a:r>
-              <a:rPr lang="zh-CN" altLang="en-US" sz="1400"/>
+              <a:rPr lang="zh-CN" altLang="en-US" sz="1400" dirty="0"/>
               <a:t>。</a:t>
             </a:r>
-            <a:endParaRPr lang="zh-CN" altLang="en-US" sz="1400"/>
           </a:p>
           <a:p>
             <a:pPr marL="0" indent="0" fontAlgn="auto">
@@ -5412,42 +6018,182 @@
               <a:buNone/>
             </a:pPr>
             <a:r>
-              <a:rPr lang="en-US" altLang="zh-CN" sz="1400"/>
+              <a:rPr lang="en-US" altLang="zh-CN" sz="1400" dirty="0"/>
               <a:t>5.</a:t>
             </a:r>
             <a:r>
-              <a:rPr lang="zh-CN" altLang="en-US" sz="1400" b="1"/>
+              <a:rPr lang="zh-CN" altLang="en-US" sz="1400" b="1" dirty="0"/>
               <a:t>2013年</a:t>
             </a:r>
             <a:r>
-              <a:rPr lang="zh-CN" altLang="en-US" sz="1400"/>
+              <a:rPr lang="zh-CN" altLang="en-US" sz="1400" dirty="0"/>
               <a:t>，</a:t>
             </a:r>
             <a:r>
-              <a:rPr lang="zh-CN" altLang="en-US" sz="1400" b="1"/>
+              <a:rPr lang="zh-CN" altLang="en-US" sz="1400" b="1" dirty="0"/>
               <a:t>美国波士顿动力公司</a:t>
             </a:r>
             <a:r>
-              <a:rPr lang="zh-CN" altLang="en-US" sz="1400"/>
+              <a:rPr lang="zh-CN" altLang="en-US" sz="1400" dirty="0"/>
               <a:t>研制的</a:t>
             </a:r>
             <a:r>
-              <a:rPr lang="zh-CN" altLang="en-US" sz="1400" b="1"/>
+              <a:rPr lang="zh-CN" altLang="en-US" sz="1400" b="1" dirty="0"/>
               <a:t>“ATLAS”</a:t>
             </a:r>
             <a:r>
-              <a:rPr lang="zh-CN" altLang="en-US" sz="1400"/>
+              <a:rPr lang="zh-CN" altLang="en-US" sz="1400" dirty="0"/>
               <a:t>机器人是当前仿人形机器人的一个代表，除了具有人形外观，还</a:t>
             </a:r>
             <a:r>
-              <a:rPr lang="zh-CN" altLang="en-US" sz="1400" b="1"/>
+              <a:rPr lang="zh-CN" altLang="en-US" sz="1400" b="1" dirty="0"/>
               <a:t>具备了人类简单的识别、判断以及决策功能，是一款具有较高智能化的类人机器人</a:t>
             </a:r>
             <a:r>
-              <a:rPr lang="zh-CN" altLang="en-US" sz="1400"/>
+              <a:rPr lang="zh-CN" altLang="en-US" sz="1400" dirty="0"/>
               <a:t>。</a:t>
             </a:r>
-            <a:endParaRPr lang="zh-CN" altLang="en-US" sz="1400"/>
+          </a:p>
+        </p:txBody>
+      </p:sp>
+      <p:sp>
+        <p:nvSpPr>
+          <p:cNvPr id="4" name="文本框 3"/>
+          <p:cNvSpPr txBox="1"/>
+          <p:nvPr/>
+        </p:nvSpPr>
+        <p:spPr>
+          <a:xfrm>
+            <a:off x="838200" y="6551283"/>
+            <a:ext cx="4801314" cy="276999"/>
+          </a:xfrm>
+          <a:prstGeom prst="rect">
+            <a:avLst/>
+          </a:prstGeom>
+          <a:noFill/>
+        </p:spPr>
+        <p:txBody>
+          <a:bodyPr wrap="none" rtlCol="0">
+            <a:spAutoFit/>
+          </a:bodyPr>
+          <a:lstStyle/>
+          <a:p>
+            <a:r>
+              <a:rPr lang="en-US" altLang="zh-CN" sz="1200" b="1" dirty="0" smtClean="0">
+                <a:latin typeface="+mn-ea"/>
+              </a:rPr>
+              <a:t>[5]"</a:t>
+            </a:r>
+            <a:r>
+              <a:rPr lang="en-US" altLang="zh-CN" sz="1200" b="1" dirty="0" err="1">
+                <a:latin typeface="+mn-ea"/>
+              </a:rPr>
+              <a:t>Asimo</a:t>
+            </a:r>
+            <a:r>
+              <a:rPr lang="zh-CN" altLang="en-US" sz="1200" b="1" dirty="0">
+                <a:latin typeface="+mn-ea"/>
+              </a:rPr>
+              <a:t>维基百科</a:t>
+            </a:r>
+            <a:r>
+              <a:rPr lang="en-US" altLang="zh-CN" sz="1200" b="1" dirty="0">
+                <a:latin typeface="+mn-ea"/>
+              </a:rPr>
+              <a:t>." from </a:t>
+            </a:r>
+            <a:r>
+              <a:rPr lang="en-US" altLang="zh-CN" sz="1200" b="1" dirty="0">
+                <a:latin typeface="+mn-ea"/>
+                <a:hlinkClick r:id="rId2"/>
+              </a:rPr>
+              <a:t>https://en.wikipedia.org/wiki/ASIMO</a:t>
+            </a:r>
+            <a:endParaRPr lang="zh-CN" altLang="en-US" sz="1200" b="1" dirty="0">
+              <a:latin typeface="+mn-ea"/>
+            </a:endParaRPr>
+          </a:p>
+        </p:txBody>
+      </p:sp>
+      <p:sp>
+        <p:nvSpPr>
+          <p:cNvPr id="5" name="文本框 4"/>
+          <p:cNvSpPr txBox="1"/>
+          <p:nvPr/>
+        </p:nvSpPr>
+        <p:spPr>
+          <a:xfrm>
+            <a:off x="838200" y="6274284"/>
+            <a:ext cx="10856562" cy="276999"/>
+          </a:xfrm>
+          <a:prstGeom prst="rect">
+            <a:avLst/>
+          </a:prstGeom>
+          <a:noFill/>
+        </p:spPr>
+        <p:txBody>
+          <a:bodyPr wrap="none" rtlCol="0">
+            <a:spAutoFit/>
+          </a:bodyPr>
+          <a:lstStyle/>
+          <a:p>
+            <a:r>
+              <a:rPr lang="en-US" altLang="zh-CN" sz="1200" b="1" dirty="0" smtClean="0">
+                <a:latin typeface="+mn-ea"/>
+              </a:rPr>
+              <a:t>[4]</a:t>
+            </a:r>
+            <a:r>
+              <a:rPr lang="zh-CN" altLang="en-US" sz="1200" b="1" dirty="0" smtClean="0"/>
+              <a:t>谭冠政</a:t>
+            </a:r>
+            <a:r>
+              <a:rPr lang="en-US" altLang="zh-CN" sz="1200" b="1" dirty="0"/>
+              <a:t>,</a:t>
+            </a:r>
+            <a:r>
+              <a:rPr lang="zh-CN" altLang="en-US" sz="1200" b="1" dirty="0"/>
+              <a:t>朱剑英</a:t>
+            </a:r>
+            <a:r>
+              <a:rPr lang="en-US" altLang="zh-CN" sz="1200" b="1" dirty="0"/>
+              <a:t>,</a:t>
+            </a:r>
+            <a:r>
+              <a:rPr lang="zh-CN" altLang="en-US" sz="1200" b="1" dirty="0"/>
+              <a:t>尉忠信</a:t>
+            </a:r>
+            <a:r>
+              <a:rPr lang="en-US" altLang="zh-CN" sz="1200" b="1" dirty="0"/>
+              <a:t>. </a:t>
+            </a:r>
+            <a:r>
+              <a:rPr lang="zh-CN" altLang="en-US" sz="1200" b="1" dirty="0"/>
+              <a:t>国内外两足步行机器人研究的历史、现状及发展趋势</a:t>
+            </a:r>
+            <a:r>
+              <a:rPr lang="en-US" altLang="zh-CN" sz="1200" b="1" dirty="0"/>
+              <a:t>[J]. </a:t>
+            </a:r>
+            <a:r>
+              <a:rPr lang="zh-CN" altLang="en-US" sz="1200" b="1" dirty="0"/>
+              <a:t>机器人</a:t>
+            </a:r>
+            <a:r>
+              <a:rPr lang="en-US" altLang="zh-CN" sz="1200" b="1" dirty="0"/>
+              <a:t>,1992,(03):59-64. [2017-10-12]. DOI</a:t>
+            </a:r>
+            <a:r>
+              <a:rPr lang="zh-CN" altLang="en-US" sz="1200" b="1" dirty="0"/>
+              <a:t>：</a:t>
+            </a:r>
+            <a:r>
+              <a:rPr lang="en-US" altLang="zh-CN" sz="1200" b="1" dirty="0"/>
+              <a:t>10.13973/j.cnki.robot.1992.03.012 </a:t>
+            </a:r>
+            <a:endParaRPr lang="zh-CN" altLang="en-US" sz="1200" b="1" dirty="0">
+              <a:latin typeface="+mn-ea"/>
+            </a:endParaRPr>
           </a:p>
         </p:txBody>
       </p:sp>
@@ -5456,6 +6202,13 @@
   <p:clrMapOvr>
     <a:masterClrMapping/>
   </p:clrMapOvr>
+  <p:timing>
+    <p:tnLst>
+      <p:par>
+        <p:cTn id="1" dur="indefinite" restart="never" nodeType="tmRoot"/>
+      </p:par>
+    </p:tnLst>
+  </p:timing>
 </p:sld>
 </file>
 
@@ -5468,7 +6221,14 @@
         <p:cNvGrpSpPr/>
         <p:nvPr/>
       </p:nvGrpSpPr>
-      <p:grpSpPr/>
+      <p:grpSpPr>
+        <a:xfrm>
+          <a:off x="0" y="0"/>
+          <a:ext cx="0" cy="0"/>
+          <a:chOff x="0" y="0"/>
+          <a:chExt cx="0" cy="0"/>
+        </a:xfrm>
+      </p:grpSpPr>
       <p:sp>
         <p:nvSpPr>
           <p:cNvPr id="2" name="标题 1"/>
@@ -5487,12 +6247,12 @@
         </p:spPr>
         <p:txBody>
           <a:bodyPr/>
+          <a:lstStyle/>
           <a:p>
             <a:r>
               <a:rPr lang="en-US" altLang="zh-CN"/>
               <a:t>                                   ATLAS</a:t>
             </a:r>
-            <a:endParaRPr lang="en-US" altLang="zh-CN"/>
           </a:p>
         </p:txBody>
       </p:sp>
@@ -5500,14 +6260,14 @@
         <p:nvPicPr>
           <p:cNvPr id="6" name="内容占位符 5" descr="timg"/>
           <p:cNvPicPr>
-            <a:picLocks noChangeAspect="1"/>
+            <a:picLocks noGrp="1" noChangeAspect="1"/>
           </p:cNvPicPr>
           <p:nvPr>
             <p:ph idx="1"/>
           </p:nvPr>
         </p:nvPicPr>
         <p:blipFill>
-          <a:blip r:embed="rId1"/>
+          <a:blip r:embed="rId2"/>
           <a:stretch>
             <a:fillRect/>
           </a:stretch>
@@ -5539,7 +6299,14 @@
         <p:cNvGrpSpPr/>
         <p:nvPr/>
       </p:nvGrpSpPr>
-      <p:grpSpPr/>
+      <p:grpSpPr>
+        <a:xfrm>
+          <a:off x="0" y="0"/>
+          <a:ext cx="0" cy="0"/>
+          <a:chOff x="0" y="0"/>
+          <a:chExt cx="0" cy="0"/>
+        </a:xfrm>
+      </p:grpSpPr>
       <p:sp>
         <p:nvSpPr>
           <p:cNvPr id="2" name="标题 1"/>
@@ -5553,12 +6320,12 @@
         <p:spPr/>
         <p:txBody>
           <a:bodyPr/>
+          <a:lstStyle/>
           <a:p>
             <a:r>
               <a:rPr lang="zh-CN" altLang="en-US"/>
               <a:t>陆地机器人</a:t>
             </a:r>
-            <a:endParaRPr lang="zh-CN" altLang="en-US"/>
           </a:p>
         </p:txBody>
       </p:sp>
@@ -5582,6 +6349,7 @@
           <a:bodyPr>
             <a:noAutofit/>
           </a:bodyPr>
+          <a:lstStyle/>
           <a:p>
             <a:pPr marL="0" indent="0" fontAlgn="auto">
               <a:lnSpc>
@@ -5589,7 +6357,7 @@
               </a:lnSpc>
               <a:buNone/>
             </a:pPr>
-            <a:endParaRPr lang="zh-CN" altLang="en-US" sz="1400"/>
+            <a:endParaRPr lang="zh-CN" altLang="en-US" sz="1400" dirty="0"/>
           </a:p>
           <a:p>
             <a:pPr marL="0" indent="0" fontAlgn="auto">
@@ -5599,10 +6367,9 @@
               <a:buNone/>
             </a:pPr>
             <a:r>
-              <a:rPr lang="zh-CN" altLang="en-US" sz="1400"/>
+              <a:rPr lang="zh-CN" altLang="en-US" sz="1400" dirty="0"/>
               <a:t>第一阶段</a:t>
             </a:r>
-            <a:endParaRPr lang="zh-CN" altLang="en-US" sz="1400"/>
           </a:p>
           <a:p>
             <a:pPr marL="0" indent="0" fontAlgn="auto">
@@ -5612,14 +6379,13 @@
               <a:buNone/>
             </a:pPr>
             <a:r>
-              <a:rPr lang="zh-CN" altLang="en-US" sz="1400"/>
+              <a:rPr lang="zh-CN" altLang="en-US" sz="1400" dirty="0"/>
               <a:t>中国古代的</a:t>
             </a:r>
             <a:r>
-              <a:rPr lang="zh-CN" altLang="en-US" sz="1400" b="1"/>
+              <a:rPr lang="zh-CN" altLang="en-US" sz="1400" b="1" dirty="0"/>
               <a:t>木牛流马</a:t>
             </a:r>
-            <a:endParaRPr lang="zh-CN" altLang="en-US" sz="1400" b="1"/>
           </a:p>
           <a:p>
             <a:pPr marL="0" indent="0" fontAlgn="auto">
@@ -5629,26 +6395,25 @@
               <a:buNone/>
             </a:pPr>
             <a:r>
-              <a:rPr lang="zh-CN" altLang="en-US" sz="1400" b="1"/>
+              <a:rPr lang="zh-CN" altLang="en-US" sz="1400" b="1" dirty="0"/>
               <a:t>1893年</a:t>
             </a:r>
             <a:r>
-              <a:rPr lang="zh-CN" altLang="en-US" sz="1400"/>
+              <a:rPr lang="zh-CN" altLang="en-US" sz="1400" dirty="0"/>
               <a:t>由</a:t>
             </a:r>
             <a:r>
-              <a:rPr lang="zh-CN" altLang="en-US" sz="1400" b="1"/>
+              <a:rPr lang="zh-CN" altLang="en-US" sz="1400" b="1" dirty="0"/>
               <a:t>Rygg </a:t>
             </a:r>
             <a:r>
-              <a:rPr lang="zh-CN" altLang="en-US" sz="1400"/>
+              <a:rPr lang="zh-CN" altLang="en-US" sz="1400" dirty="0"/>
               <a:t>设计的</a:t>
             </a:r>
             <a:r>
-              <a:rPr lang="zh-CN" altLang="en-US" sz="1400" b="1"/>
+              <a:rPr lang="zh-CN" altLang="en-US" sz="1400" b="1" dirty="0"/>
               <a:t>机械马</a:t>
             </a:r>
-            <a:endParaRPr lang="zh-CN" altLang="en-US" sz="1400" b="1"/>
           </a:p>
           <a:p>
             <a:pPr marL="0" indent="0" fontAlgn="auto">
@@ -5657,7 +6422,7 @@
               </a:lnSpc>
               <a:buNone/>
             </a:pPr>
-            <a:endParaRPr lang="zh-CN" altLang="en-US" sz="1400" b="1"/>
+            <a:endParaRPr lang="zh-CN" altLang="en-US" sz="1400" b="1" dirty="0"/>
           </a:p>
           <a:p>
             <a:pPr marL="0" indent="0" fontAlgn="auto">
@@ -5667,10 +6432,9 @@
               <a:buNone/>
             </a:pPr>
             <a:r>
-              <a:rPr lang="zh-CN" altLang="en-US" sz="1400"/>
+              <a:rPr lang="zh-CN" altLang="en-US" sz="1400" dirty="0"/>
               <a:t>第二阶段</a:t>
             </a:r>
-            <a:endParaRPr lang="zh-CN" altLang="en-US" sz="1400"/>
           </a:p>
           <a:p>
             <a:pPr marL="0" indent="0" fontAlgn="auto">
@@ -5680,38 +6444,50 @@
               <a:buNone/>
             </a:pPr>
             <a:r>
-              <a:rPr lang="zh-CN" altLang="en-US" sz="1400" b="1"/>
+              <a:rPr lang="zh-CN" altLang="en-US" sz="1400" b="1" dirty="0"/>
               <a:t>1968年</a:t>
             </a:r>
             <a:r>
-              <a:rPr lang="zh-CN" altLang="en-US" sz="1400"/>
+              <a:rPr lang="zh-CN" altLang="en-US" sz="1400" dirty="0"/>
               <a:t>，美国</a:t>
             </a:r>
             <a:r>
-              <a:rPr lang="zh-CN" altLang="en-US" sz="1400" b="1"/>
+              <a:rPr lang="zh-CN" altLang="en-US" sz="1400" b="1" dirty="0"/>
               <a:t>通用电器</a:t>
             </a:r>
             <a:r>
-              <a:rPr lang="zh-CN" altLang="en-US" sz="1400"/>
+              <a:rPr lang="zh-CN" altLang="en-US" sz="1400" dirty="0"/>
               <a:t>公司研制了</a:t>
             </a:r>
             <a:r>
-              <a:rPr lang="zh-CN" altLang="en-US" sz="1400" b="1"/>
+              <a:rPr lang="zh-CN" altLang="en-US" sz="1400" b="1" dirty="0"/>
               <a:t>四足步行机器人Mosher</a:t>
             </a:r>
             <a:r>
-              <a:rPr lang="zh-CN" altLang="en-US" sz="1400"/>
+              <a:rPr lang="zh-CN" altLang="en-US" sz="1400" dirty="0"/>
               <a:t>，它采用了</a:t>
             </a:r>
             <a:r>
-              <a:rPr lang="zh-CN" altLang="en-US" sz="1400" b="1"/>
+              <a:rPr lang="zh-CN" altLang="en-US" sz="1400" b="1" dirty="0"/>
               <a:t>由人控制的方法模拟四腿生物行走</a:t>
             </a:r>
             <a:r>
-              <a:rPr lang="zh-CN" altLang="en-US" sz="1400"/>
-              <a:t>，是仿生多足移动机器人技术发展史上的一个里程碑。[4]</a:t>
-            </a:r>
-            <a:endParaRPr lang="zh-CN" altLang="en-US" sz="1400"/>
+              <a:rPr lang="zh-CN" altLang="en-US" sz="1400" dirty="0"/>
+              <a:t>，是仿生多足移动机器人技术发展史上的一个里程碑。</a:t>
+            </a:r>
+            <a:r>
+              <a:rPr lang="zh-CN" altLang="en-US" sz="1400" dirty="0" smtClean="0"/>
+              <a:t>[</a:t>
+            </a:r>
+            <a:r>
+              <a:rPr lang="en-US" altLang="zh-CN" sz="1400" dirty="0" smtClean="0"/>
+              <a:t>6</a:t>
+            </a:r>
+            <a:r>
+              <a:rPr lang="zh-CN" altLang="en-US" sz="1400" dirty="0" smtClean="0"/>
+              <a:t>]</a:t>
+            </a:r>
+            <a:endParaRPr lang="zh-CN" altLang="en-US" sz="1400" dirty="0"/>
           </a:p>
           <a:p>
             <a:pPr marL="0" indent="0" fontAlgn="auto">
@@ -5721,34 +6497,33 @@
               <a:buNone/>
             </a:pPr>
             <a:r>
-              <a:rPr lang="zh-CN" altLang="en-US" sz="1400"/>
+              <a:rPr lang="zh-CN" altLang="en-US" sz="1400" dirty="0"/>
               <a:t>蛇形机器人：</a:t>
             </a:r>
             <a:r>
-              <a:rPr lang="zh-CN" altLang="en-US" sz="1400" b="1"/>
+              <a:rPr lang="zh-CN" altLang="en-US" sz="1400" b="1" dirty="0"/>
               <a:t>东京科技大学</a:t>
             </a:r>
             <a:r>
-              <a:rPr lang="zh-CN" altLang="en-US" sz="1400"/>
+              <a:rPr lang="zh-CN" altLang="en-US" sz="1400" dirty="0"/>
               <a:t>于</a:t>
             </a:r>
             <a:r>
-              <a:rPr lang="zh-CN" altLang="en-US" sz="1400" b="1"/>
+              <a:rPr lang="zh-CN" altLang="en-US" sz="1400" b="1" dirty="0"/>
               <a:t>1972年</a:t>
             </a:r>
             <a:r>
-              <a:rPr lang="zh-CN" altLang="en-US" sz="1400"/>
+              <a:rPr lang="zh-CN" altLang="en-US" sz="1400" dirty="0"/>
               <a:t>研制出世界上第一个</a:t>
             </a:r>
             <a:r>
-              <a:rPr lang="zh-CN" altLang="en-US" sz="1400" b="1"/>
+              <a:rPr lang="zh-CN" altLang="en-US" sz="1400" b="1" dirty="0"/>
               <a:t>蛇形机器人</a:t>
             </a:r>
             <a:r>
-              <a:rPr lang="zh-CN" altLang="en-US" sz="1400"/>
+              <a:rPr lang="zh-CN" altLang="en-US" sz="1400" dirty="0"/>
               <a:t>,速度为40cm/s.美国的蛇形机器人则代表了世界先进水平</a:t>
             </a:r>
-            <a:endParaRPr lang="zh-CN" altLang="en-US" sz="1400"/>
           </a:p>
           <a:p>
             <a:pPr marL="0" indent="0" fontAlgn="auto">
@@ -5758,10 +6533,9 @@
               <a:buNone/>
             </a:pPr>
             <a:r>
-              <a:rPr lang="zh-CN" altLang="en-US" sz="1400"/>
+              <a:rPr lang="zh-CN" altLang="en-US" sz="1400" dirty="0"/>
               <a:t>1999年，索尼公司（Sony）的机器狗“爱宝”（AIBO）让科技产品爱好者一见倾心，能够自由地在房间里走动，并且能够对有限的一组命令做出反应。</a:t>
             </a:r>
-            <a:endParaRPr lang="zh-CN" altLang="en-US" sz="1400"/>
           </a:p>
           <a:p>
             <a:pPr marL="0" indent="0" fontAlgn="auto">
@@ -5770,7 +6544,57 @@
               </a:lnSpc>
               <a:buNone/>
             </a:pPr>
-            <a:endParaRPr lang="zh-CN" altLang="en-US" sz="1400"/>
+            <a:endParaRPr lang="zh-CN" altLang="en-US" sz="1400" dirty="0"/>
+          </a:p>
+        </p:txBody>
+      </p:sp>
+      <p:sp>
+        <p:nvSpPr>
+          <p:cNvPr id="4" name="文本框 3"/>
+          <p:cNvSpPr txBox="1"/>
+          <p:nvPr/>
+        </p:nvSpPr>
+        <p:spPr>
+          <a:xfrm>
+            <a:off x="838200" y="6216333"/>
+            <a:ext cx="4884607" cy="276999"/>
+          </a:xfrm>
+          <a:prstGeom prst="rect">
+            <a:avLst/>
+          </a:prstGeom>
+          <a:noFill/>
+        </p:spPr>
+        <p:txBody>
+          <a:bodyPr wrap="none" rtlCol="0">
+            <a:spAutoFit/>
+          </a:bodyPr>
+          <a:lstStyle/>
+          <a:p>
+            <a:r>
+              <a:rPr lang="en-US" altLang="zh-CN" sz="1200" b="1" dirty="0" smtClean="0"/>
+              <a:t>[6] </a:t>
+            </a:r>
+            <a:r>
+              <a:rPr lang="en-US" altLang="zh-CN" sz="1200" b="1" dirty="0"/>
+              <a:t>"ALROBOT</a:t>
+            </a:r>
+            <a:r>
+              <a:rPr lang="zh-CN" altLang="en-US" sz="1200" b="1" dirty="0"/>
+              <a:t>奥松机器人</a:t>
+            </a:r>
+            <a:r>
+              <a:rPr lang="en-US" altLang="zh-CN" sz="1200" b="1" dirty="0"/>
+              <a:t>." from </a:t>
+            </a:r>
+            <a:r>
+              <a:rPr lang="en-US" altLang="zh-CN" sz="1200" b="1" dirty="0">
+                <a:hlinkClick r:id="rId2"/>
+              </a:rPr>
+              <a:t>http://www.alsrobot.cn/article-67.html</a:t>
+            </a:r>
+            <a:endParaRPr lang="zh-CN" altLang="en-US" sz="1200" b="1" dirty="0">
+              <a:latin typeface="+mn-ea"/>
+            </a:endParaRPr>
           </a:p>
         </p:txBody>
       </p:sp>
